--- a/documentations/4 - Web Services partie Securité.pptx
+++ b/documentations/4 - Web Services partie Securité.pptx
@@ -5,10 +5,10 @@
     <p:sldMasterId id="2147483648" r:id="rId1"/>
   </p:sldMasterIdLst>
   <p:notesMasterIdLst>
-    <p:notesMasterId r:id="rId59"/>
+    <p:notesMasterId r:id="rId61"/>
   </p:notesMasterIdLst>
   <p:handoutMasterIdLst>
-    <p:handoutMasterId r:id="rId60"/>
+    <p:handoutMasterId r:id="rId62"/>
   </p:handoutMasterIdLst>
   <p:sldIdLst>
     <p:sldId id="256" r:id="rId2"/>
@@ -58,16 +58,18 @@
     <p:sldId id="385" r:id="rId46"/>
     <p:sldId id="387" r:id="rId47"/>
     <p:sldId id="386" r:id="rId48"/>
-    <p:sldId id="388" r:id="rId49"/>
-    <p:sldId id="405" r:id="rId50"/>
-    <p:sldId id="389" r:id="rId51"/>
-    <p:sldId id="408" r:id="rId52"/>
-    <p:sldId id="390" r:id="rId53"/>
-    <p:sldId id="409" r:id="rId54"/>
-    <p:sldId id="391" r:id="rId55"/>
-    <p:sldId id="410" r:id="rId56"/>
-    <p:sldId id="403" r:id="rId57"/>
-    <p:sldId id="268" r:id="rId58"/>
+    <p:sldId id="412" r:id="rId49"/>
+    <p:sldId id="388" r:id="rId50"/>
+    <p:sldId id="405" r:id="rId51"/>
+    <p:sldId id="389" r:id="rId52"/>
+    <p:sldId id="408" r:id="rId53"/>
+    <p:sldId id="390" r:id="rId54"/>
+    <p:sldId id="409" r:id="rId55"/>
+    <p:sldId id="391" r:id="rId56"/>
+    <p:sldId id="410" r:id="rId57"/>
+    <p:sldId id="403" r:id="rId58"/>
+    <p:sldId id="413" r:id="rId59"/>
+    <p:sldId id="268" r:id="rId60"/>
   </p:sldIdLst>
   <p:sldSz cx="12192000" cy="6858000"/>
   <p:notesSz cx="6888163" cy="10020300"/>
@@ -405,7 +407,7 @@
           <a:p>
             <a:fld id="{92C0ECB4-1DA6-4958-A0CF-A11808127F66}" type="datetimeFigureOut">
               <a:rPr lang="fr-FR" smtClean="0"/>
-              <a:t>08/11/2018</a:t>
+              <a:t>10/12/2018</a:t>
             </a:fld>
             <a:endParaRPr lang="fr-FR"/>
           </a:p>
@@ -570,7 +572,7 @@
           <a:p>
             <a:fld id="{79251E60-887E-4FF0-8411-14E4694F24DF}" type="datetimeFigureOut">
               <a:rPr lang="fr-FR" smtClean="0"/>
-              <a:t>08/11/2018</a:t>
+              <a:t>10/12/2018</a:t>
             </a:fld>
             <a:endParaRPr lang="fr-FR"/>
           </a:p>
@@ -1154,7 +1156,7 @@
           <a:p>
             <a:fld id="{41EB770E-9F5C-44F4-BEAD-89B26D889570}" type="slidenum">
               <a:rPr lang="fr-FR" smtClean="0"/>
-              <a:t>56</a:t>
+              <a:t>57</a:t>
             </a:fld>
             <a:endParaRPr lang="fr-FR"/>
           </a:p>
@@ -1302,7 +1304,7 @@
           <a:p>
             <a:fld id="{3CD8DA6A-E332-4F44-A7D2-8F4CF34CC12E}" type="datetime1">
               <a:rPr lang="fr-FR" smtClean="0"/>
-              <a:t>08/11/2018</a:t>
+              <a:t>10/12/2018</a:t>
             </a:fld>
             <a:endParaRPr lang="fr-FR"/>
           </a:p>
@@ -1470,7 +1472,7 @@
           <a:p>
             <a:fld id="{65496462-926F-4E67-AAAE-B88F0984169C}" type="datetime1">
               <a:rPr lang="fr-FR" smtClean="0"/>
-              <a:t>08/11/2018</a:t>
+              <a:t>10/12/2018</a:t>
             </a:fld>
             <a:endParaRPr lang="fr-FR"/>
           </a:p>
@@ -1648,7 +1650,7 @@
           <a:p>
             <a:fld id="{4506E9E2-0E89-4306-8ECC-CBA3342BD3BE}" type="datetime1">
               <a:rPr lang="fr-FR" smtClean="0"/>
-              <a:t>08/11/2018</a:t>
+              <a:t>10/12/2018</a:t>
             </a:fld>
             <a:endParaRPr lang="fr-FR"/>
           </a:p>
@@ -1831,7 +1833,7 @@
           <a:p>
             <a:fld id="{E72244DD-159C-49DD-92F1-EBE9639D0EE0}" type="datetime1">
               <a:rPr lang="fr-FR" smtClean="0"/>
-              <a:t>08/11/2018</a:t>
+              <a:t>10/12/2018</a:t>
             </a:fld>
             <a:endParaRPr lang="fr-FR"/>
           </a:p>
@@ -2076,7 +2078,7 @@
           <a:p>
             <a:fld id="{5D3C99ED-186C-460B-B8FA-3099305AE68E}" type="datetime1">
               <a:rPr lang="fr-FR" smtClean="0"/>
-              <a:t>08/11/2018</a:t>
+              <a:t>10/12/2018</a:t>
             </a:fld>
             <a:endParaRPr lang="fr-FR"/>
           </a:p>
@@ -2305,7 +2307,7 @@
           <a:p>
             <a:fld id="{516E6981-5710-4BB6-84F1-DBCF841A5299}" type="datetime1">
               <a:rPr lang="fr-FR" smtClean="0"/>
-              <a:t>08/11/2018</a:t>
+              <a:t>10/12/2018</a:t>
             </a:fld>
             <a:endParaRPr lang="fr-FR"/>
           </a:p>
@@ -2669,7 +2671,7 @@
           <a:p>
             <a:fld id="{F16842B7-5BE0-42D3-A68E-4B9C958A16BA}" type="datetime1">
               <a:rPr lang="fr-FR" smtClean="0"/>
-              <a:t>08/11/2018</a:t>
+              <a:t>10/12/2018</a:t>
             </a:fld>
             <a:endParaRPr lang="fr-FR"/>
           </a:p>
@@ -2786,7 +2788,7 @@
           <a:p>
             <a:fld id="{4F651A2D-4434-45A5-975D-22BC481F14E4}" type="datetime1">
               <a:rPr lang="fr-FR" smtClean="0"/>
-              <a:t>08/11/2018</a:t>
+              <a:t>10/12/2018</a:t>
             </a:fld>
             <a:endParaRPr lang="fr-FR"/>
           </a:p>
@@ -2881,7 +2883,7 @@
           <a:p>
             <a:fld id="{388C0F5D-A627-4FC2-B3B9-0D7E690BC359}" type="datetime1">
               <a:rPr lang="fr-FR" smtClean="0"/>
-              <a:t>08/11/2018</a:t>
+              <a:t>10/12/2018</a:t>
             </a:fld>
             <a:endParaRPr lang="fr-FR"/>
           </a:p>
@@ -3156,7 +3158,7 @@
           <a:p>
             <a:fld id="{CCC28D6C-0D7C-4702-B4D9-18463E1D1007}" type="datetime1">
               <a:rPr lang="fr-FR" smtClean="0"/>
-              <a:t>08/11/2018</a:t>
+              <a:t>10/12/2018</a:t>
             </a:fld>
             <a:endParaRPr lang="fr-FR"/>
           </a:p>
@@ -3408,7 +3410,7 @@
           <a:p>
             <a:fld id="{E8BBF2F9-5F60-437C-BC45-B249DFB82E00}" type="datetime1">
               <a:rPr lang="fr-FR" smtClean="0"/>
-              <a:t>08/11/2018</a:t>
+              <a:t>10/12/2018</a:t>
             </a:fld>
             <a:endParaRPr lang="fr-FR"/>
           </a:p>
@@ -3619,7 +3621,7 @@
           <a:p>
             <a:fld id="{CCAF7043-D15A-4604-BA10-86076BDB4698}" type="datetime1">
               <a:rPr lang="fr-FR" smtClean="0"/>
-              <a:t>08/11/2018</a:t>
+              <a:t>10/12/2018</a:t>
             </a:fld>
             <a:endParaRPr lang="fr-FR"/>
           </a:p>
@@ -20366,7 +20368,7 @@
             <a:pPr lvl="1"/>
             <a:r>
               <a:rPr lang="fr-FR" dirty="0"/>
-              <a:t>Généralement vous-même (une humain),</a:t>
+              <a:t>Généralement vous-même (un humain),</a:t>
             </a:r>
           </a:p>
           <a:p>
@@ -24011,7 +24013,7 @@
           <a:p>
             <a:r>
               <a:rPr lang="fr-FR" dirty="0"/>
-              <a:t>OAUTH2, Les types d’autorisation</a:t>
+              <a:t>OAUTH2, Les types d’autorisation « flow »</a:t>
             </a:r>
           </a:p>
         </p:txBody>
@@ -24244,7 +24246,13 @@
       </p:grpSpPr>
       <p:sp>
         <p:nvSpPr>
-          <p:cNvPr id="2" name="Titre 1"/>
+          <p:cNvPr id="2" name="Titre 1">
+            <a:extLst>
+              <a:ext uri="{FF2B5EF4-FFF2-40B4-BE49-F238E27FC236}">
+                <a16:creationId xmlns:a16="http://schemas.microsoft.com/office/drawing/2014/main" id="{6440F160-336A-4B62-A8FF-DE078873E468}"/>
+              </a:ext>
+            </a:extLst>
+          </p:cNvPr>
           <p:cNvSpPr>
             <a:spLocks noGrp="1"/>
           </p:cNvSpPr>
@@ -24252,211 +24260,353 @@
             <p:ph type="title"/>
           </p:nvPr>
         </p:nvSpPr>
-        <p:spPr>
-          <a:xfrm>
-            <a:off x="92765" y="-278294"/>
-            <a:ext cx="12404035" cy="1325563"/>
-          </a:xfrm>
-        </p:spPr>
+        <p:spPr/>
         <p:txBody>
-          <a:bodyPr>
-            <a:normAutofit/>
-          </a:bodyPr>
+          <a:bodyPr/>
           <a:lstStyle/>
           <a:p>
             <a:r>
               <a:rPr lang="fr-FR" dirty="0"/>
-              <a:t>OAUTH2, </a:t>
-            </a:r>
-            <a:r>
-              <a:rPr lang="fr-FR" dirty="0" err="1"/>
-              <a:t>Authorization</a:t>
-            </a:r>
-            <a:r>
-              <a:rPr lang="fr-FR" dirty="0"/>
-              <a:t> Code Grant </a:t>
-            </a:r>
-            <a:r>
-              <a:rPr lang="fr-FR" dirty="0">
-                <a:solidFill>
-                  <a:srgbClr val="00B050"/>
-                </a:solidFill>
-              </a:rPr>
-              <a:t>(le plus sécurisé)</a:t>
+              <a:t>OAUTH2 démonstration</a:t>
             </a:r>
           </a:p>
         </p:txBody>
       </p:sp>
       <p:sp>
         <p:nvSpPr>
-          <p:cNvPr id="3" name="Espace réservé du contenu 2"/>
+          <p:cNvPr id="4" name="Espace réservé du numéro de diapositive 3">
+            <a:extLst>
+              <a:ext uri="{FF2B5EF4-FFF2-40B4-BE49-F238E27FC236}">
+                <a16:creationId xmlns:a16="http://schemas.microsoft.com/office/drawing/2014/main" id="{89652DBE-738E-44C4-BCF4-D48B3C9B8B47}"/>
+              </a:ext>
+            </a:extLst>
+          </p:cNvPr>
           <p:cNvSpPr>
             <a:spLocks noGrp="1"/>
           </p:cNvSpPr>
           <p:nvPr>
-            <p:ph idx="1"/>
+            <p:ph type="sldNum" sz="quarter" idx="12"/>
           </p:nvPr>
+        </p:nvSpPr>
+        <p:spPr/>
+        <p:txBody>
+          <a:bodyPr/>
+          <a:lstStyle/>
+          <a:p>
+            <a:fld id="{B79E4878-4BCB-449E-94CF-AE2A0F6BB533}" type="slidenum">
+              <a:rPr lang="fr-FR" smtClean="0"/>
+              <a:t>48</a:t>
+            </a:fld>
+            <a:endParaRPr lang="fr-FR"/>
+          </a:p>
+        </p:txBody>
+      </p:sp>
+      <p:sp>
+        <p:nvSpPr>
+          <p:cNvPr id="5" name="Espace réservé du contenu 2">
+            <a:extLst>
+              <a:ext uri="{FF2B5EF4-FFF2-40B4-BE49-F238E27FC236}">
+                <a16:creationId xmlns:a16="http://schemas.microsoft.com/office/drawing/2014/main" id="{4AF4F4CB-2F17-4DBA-9E48-B5AF9350512F}"/>
+              </a:ext>
+            </a:extLst>
+          </p:cNvPr>
+          <p:cNvSpPr txBox="1">
+            <a:spLocks/>
+          </p:cNvSpPr>
+          <p:nvPr/>
         </p:nvSpPr>
         <p:spPr>
           <a:xfrm>
-            <a:off x="6891131" y="1061240"/>
-            <a:ext cx="5155096" cy="5697369"/>
+            <a:off x="838200" y="1825625"/>
+            <a:ext cx="5147821" cy="4351338"/>
           </a:xfrm>
+          <a:prstGeom prst="rect">
+            <a:avLst/>
+          </a:prstGeom>
         </p:spPr>
         <p:txBody>
-          <a:bodyPr>
-            <a:normAutofit fontScale="85000" lnSpcReduction="20000"/>
+          <a:bodyPr vert="horz" lIns="91440" tIns="45720" rIns="91440" bIns="45720" rtlCol="0">
+            <a:normAutofit/>
           </a:bodyPr>
-          <a:lstStyle/>
-          <a:p>
-            <a:r>
-              <a:rPr lang="fr-FR" dirty="0"/>
-              <a:t>La méthode la plus sécurisé</a:t>
-            </a:r>
-          </a:p>
-          <a:p>
-            <a:pPr lvl="1"/>
-            <a:r>
-              <a:rPr lang="fr-FR" dirty="0"/>
-              <a:t>Vous n’accèderez jamais au </a:t>
-            </a:r>
-            <a:r>
-              <a:rPr lang="fr-FR" dirty="0" err="1"/>
-              <a:t>token</a:t>
-            </a:r>
-            <a:r>
-              <a:rPr lang="fr-FR" dirty="0"/>
-              <a:t> d’accès, il sera stocké par le site internet (en session par exemple). </a:t>
-            </a:r>
-          </a:p>
-          <a:p>
-            <a:r>
-              <a:rPr lang="fr-FR" dirty="0"/>
-              <a:t>Dans ce type d’autorisation les étapes sont les suivantes :</a:t>
-            </a:r>
-          </a:p>
-          <a:p>
-            <a:pPr marL="971550" lvl="1" indent="-514350">
-              <a:buFont typeface="+mj-lt"/>
-              <a:buAutoNum type="arabicPeriod"/>
+          <a:lstStyle>
+            <a:lvl1pPr marL="228600" indent="-228600" algn="l" defTabSz="914400" rtl="0" eaLnBrk="1" latinLnBrk="0" hangingPunct="1">
+              <a:lnSpc>
+                <a:spcPct val="90000"/>
+              </a:lnSpc>
+              <a:spcBef>
+                <a:spcPts val="1000"/>
+              </a:spcBef>
+              <a:buFont typeface="Arial" panose="020B0604020202020204" pitchFamily="34" charset="0"/>
+              <a:buChar char="•"/>
+              <a:defRPr sz="2800" kern="1200">
+                <a:solidFill>
+                  <a:schemeClr val="tx1"/>
+                </a:solidFill>
+                <a:latin typeface="+mn-lt"/>
+                <a:ea typeface="+mn-ea"/>
+                <a:cs typeface="+mn-cs"/>
+              </a:defRPr>
+            </a:lvl1pPr>
+            <a:lvl2pPr marL="685800" indent="-228600" algn="l" defTabSz="914400" rtl="0" eaLnBrk="1" latinLnBrk="0" hangingPunct="1">
+              <a:lnSpc>
+                <a:spcPct val="90000"/>
+              </a:lnSpc>
+              <a:spcBef>
+                <a:spcPts val="500"/>
+              </a:spcBef>
+              <a:buFont typeface="Arial" panose="020B0604020202020204" pitchFamily="34" charset="0"/>
+              <a:buChar char="•"/>
+              <a:defRPr sz="2400" kern="1200">
+                <a:solidFill>
+                  <a:schemeClr val="tx1"/>
+                </a:solidFill>
+                <a:latin typeface="+mn-lt"/>
+                <a:ea typeface="+mn-ea"/>
+                <a:cs typeface="+mn-cs"/>
+              </a:defRPr>
+            </a:lvl2pPr>
+            <a:lvl3pPr marL="1143000" indent="-228600" algn="l" defTabSz="914400" rtl="0" eaLnBrk="1" latinLnBrk="0" hangingPunct="1">
+              <a:lnSpc>
+                <a:spcPct val="90000"/>
+              </a:lnSpc>
+              <a:spcBef>
+                <a:spcPts val="500"/>
+              </a:spcBef>
+              <a:buFont typeface="Arial" panose="020B0604020202020204" pitchFamily="34" charset="0"/>
+              <a:buChar char="•"/>
+              <a:defRPr sz="2000" kern="1200">
+                <a:solidFill>
+                  <a:schemeClr val="tx1"/>
+                </a:solidFill>
+                <a:latin typeface="+mn-lt"/>
+                <a:ea typeface="+mn-ea"/>
+                <a:cs typeface="+mn-cs"/>
+              </a:defRPr>
+            </a:lvl3pPr>
+            <a:lvl4pPr marL="1600200" indent="-228600" algn="l" defTabSz="914400" rtl="0" eaLnBrk="1" latinLnBrk="0" hangingPunct="1">
+              <a:lnSpc>
+                <a:spcPct val="90000"/>
+              </a:lnSpc>
+              <a:spcBef>
+                <a:spcPts val="500"/>
+              </a:spcBef>
+              <a:buFont typeface="Arial" panose="020B0604020202020204" pitchFamily="34" charset="0"/>
+              <a:buChar char="•"/>
+              <a:defRPr sz="1800" kern="1200">
+                <a:solidFill>
+                  <a:schemeClr val="tx1"/>
+                </a:solidFill>
+                <a:latin typeface="+mn-lt"/>
+                <a:ea typeface="+mn-ea"/>
+                <a:cs typeface="+mn-cs"/>
+              </a:defRPr>
+            </a:lvl4pPr>
+            <a:lvl5pPr marL="2057400" indent="-228600" algn="l" defTabSz="914400" rtl="0" eaLnBrk="1" latinLnBrk="0" hangingPunct="1">
+              <a:lnSpc>
+                <a:spcPct val="90000"/>
+              </a:lnSpc>
+              <a:spcBef>
+                <a:spcPts val="500"/>
+              </a:spcBef>
+              <a:buFont typeface="Arial" panose="020B0604020202020204" pitchFamily="34" charset="0"/>
+              <a:buChar char="•"/>
+              <a:defRPr sz="1800" kern="1200">
+                <a:solidFill>
+                  <a:schemeClr val="tx1"/>
+                </a:solidFill>
+                <a:latin typeface="+mn-lt"/>
+                <a:ea typeface="+mn-ea"/>
+                <a:cs typeface="+mn-cs"/>
+              </a:defRPr>
+            </a:lvl5pPr>
+            <a:lvl6pPr marL="2514600" indent="-228600" algn="l" defTabSz="914400" rtl="0" eaLnBrk="1" latinLnBrk="0" hangingPunct="1">
+              <a:lnSpc>
+                <a:spcPct val="90000"/>
+              </a:lnSpc>
+              <a:spcBef>
+                <a:spcPts val="500"/>
+              </a:spcBef>
+              <a:buFont typeface="Arial" panose="020B0604020202020204" pitchFamily="34" charset="0"/>
+              <a:buChar char="•"/>
+              <a:defRPr sz="1800" kern="1200">
+                <a:solidFill>
+                  <a:schemeClr val="tx1"/>
+                </a:solidFill>
+                <a:latin typeface="+mn-lt"/>
+                <a:ea typeface="+mn-ea"/>
+                <a:cs typeface="+mn-cs"/>
+              </a:defRPr>
+            </a:lvl6pPr>
+            <a:lvl7pPr marL="2971800" indent="-228600" algn="l" defTabSz="914400" rtl="0" eaLnBrk="1" latinLnBrk="0" hangingPunct="1">
+              <a:lnSpc>
+                <a:spcPct val="90000"/>
+              </a:lnSpc>
+              <a:spcBef>
+                <a:spcPts val="500"/>
+              </a:spcBef>
+              <a:buFont typeface="Arial" panose="020B0604020202020204" pitchFamily="34" charset="0"/>
+              <a:buChar char="•"/>
+              <a:defRPr sz="1800" kern="1200">
+                <a:solidFill>
+                  <a:schemeClr val="tx1"/>
+                </a:solidFill>
+                <a:latin typeface="+mn-lt"/>
+                <a:ea typeface="+mn-ea"/>
+                <a:cs typeface="+mn-cs"/>
+              </a:defRPr>
+            </a:lvl7pPr>
+            <a:lvl8pPr marL="3429000" indent="-228600" algn="l" defTabSz="914400" rtl="0" eaLnBrk="1" latinLnBrk="0" hangingPunct="1">
+              <a:lnSpc>
+                <a:spcPct val="90000"/>
+              </a:lnSpc>
+              <a:spcBef>
+                <a:spcPts val="500"/>
+              </a:spcBef>
+              <a:buFont typeface="Arial" panose="020B0604020202020204" pitchFamily="34" charset="0"/>
+              <a:buChar char="•"/>
+              <a:defRPr sz="1800" kern="1200">
+                <a:solidFill>
+                  <a:schemeClr val="tx1"/>
+                </a:solidFill>
+                <a:latin typeface="+mn-lt"/>
+                <a:ea typeface="+mn-ea"/>
+                <a:cs typeface="+mn-cs"/>
+              </a:defRPr>
+            </a:lvl8pPr>
+            <a:lvl9pPr marL="3886200" indent="-228600" algn="l" defTabSz="914400" rtl="0" eaLnBrk="1" latinLnBrk="0" hangingPunct="1">
+              <a:lnSpc>
+                <a:spcPct val="90000"/>
+              </a:lnSpc>
+              <a:spcBef>
+                <a:spcPts val="500"/>
+              </a:spcBef>
+              <a:buFont typeface="Arial" panose="020B0604020202020204" pitchFamily="34" charset="0"/>
+              <a:buChar char="•"/>
+              <a:defRPr sz="1800" kern="1200">
+                <a:solidFill>
+                  <a:schemeClr val="tx1"/>
+                </a:solidFill>
+                <a:latin typeface="+mn-lt"/>
+                <a:ea typeface="+mn-ea"/>
+                <a:cs typeface="+mn-cs"/>
+              </a:defRPr>
+            </a:lvl9pPr>
+          </a:lstStyle>
+          <a:p>
+            <a:pPr marL="0" indent="0">
+              <a:buFont typeface="Arial" panose="020B0604020202020204" pitchFamily="34" charset="0"/>
+              <a:buNone/>
             </a:pPr>
-            <a:r>
-              <a:rPr lang="fr-FR" dirty="0"/>
-              <a:t>Un site internet quelconque souhaite accéder aux informations de votre profil Google.</a:t>
-            </a:r>
-          </a:p>
-          <a:p>
-            <a:pPr marL="971550" lvl="1" indent="-514350">
-              <a:buFont typeface="+mj-lt"/>
-              <a:buAutoNum type="arabicPeriod"/>
-            </a:pPr>
-            <a:r>
-              <a:rPr lang="fr-FR" dirty="0"/>
-              <a:t>Vous êtes redirigé par le client (le site internet) vers le serveur d’autorisation (Google).</a:t>
-            </a:r>
-          </a:p>
-          <a:p>
-            <a:pPr marL="971550" lvl="1" indent="-514350">
-              <a:buFont typeface="+mj-lt"/>
-              <a:buAutoNum type="arabicPeriod"/>
-            </a:pPr>
-            <a:r>
-              <a:rPr lang="fr-FR" dirty="0"/>
-              <a:t>Si vous autorisez l’accès, le serveur d’autorisation (Google) envoie un code d’autorisation au site internet.</a:t>
-            </a:r>
-          </a:p>
-          <a:p>
-            <a:pPr marL="971550" lvl="1" indent="-514350">
-              <a:buFont typeface="+mj-lt"/>
-              <a:buAutoNum type="arabicPeriod"/>
-            </a:pPr>
-            <a:r>
-              <a:rPr lang="fr-FR" dirty="0"/>
-              <a:t>Ce code est échangé (entre le site internet et Google) par un </a:t>
-            </a:r>
-            <a:r>
-              <a:rPr lang="fr-FR" dirty="0" err="1"/>
-              <a:t>token</a:t>
-            </a:r>
-            <a:r>
-              <a:rPr lang="fr-FR" dirty="0"/>
-              <a:t> d’accès de façon transparente pour vous.</a:t>
-            </a:r>
-          </a:p>
-          <a:p>
-            <a:pPr marL="971550" lvl="1" indent="-514350">
-              <a:buFont typeface="+mj-lt"/>
-              <a:buAutoNum type="arabicPeriod"/>
-            </a:pPr>
-            <a:r>
-              <a:rPr lang="fr-FR" dirty="0"/>
-              <a:t>Le site internet peut donc maintenant utiliser ce </a:t>
-            </a:r>
-            <a:r>
-              <a:rPr lang="fr-FR" dirty="0" err="1"/>
-              <a:t>token</a:t>
-            </a:r>
-            <a:r>
-              <a:rPr lang="fr-FR" dirty="0"/>
-              <a:t> d’accès pour accéder aux données de votre profil par le serveur de ressources (Google).</a:t>
-            </a:r>
-          </a:p>
-          <a:p>
             <a:endParaRPr lang="fr-FR" dirty="0"/>
           </a:p>
           <a:p>
             <a:pPr marL="0" indent="0">
               <a:buNone/>
             </a:pPr>
+            <a:r>
+              <a:rPr lang="fr-FR" dirty="0"/>
+              <a:t>« </a:t>
+            </a:r>
+            <a:r>
+              <a:rPr lang="fr-FR" b="1" dirty="0"/>
+              <a:t> </a:t>
+            </a:r>
+            <a:r>
+              <a:rPr lang="fr-FR" b="1" dirty="0" err="1"/>
+              <a:t>Authorization</a:t>
+            </a:r>
+            <a:r>
+              <a:rPr lang="fr-FR" b="1" dirty="0"/>
+              <a:t> Code Grant</a:t>
+            </a:r>
+            <a:r>
+              <a:rPr lang="fr-FR" dirty="0"/>
+              <a:t> » Flow :</a:t>
+            </a:r>
+          </a:p>
+          <a:p>
+            <a:pPr marL="0" indent="0">
+              <a:buFont typeface="Arial" panose="020B0604020202020204" pitchFamily="34" charset="0"/>
+              <a:buNone/>
+            </a:pPr>
+            <a:r>
+              <a:rPr lang="fr-FR" dirty="0">
+                <a:hlinkClick r:id="rId2"/>
+              </a:rPr>
+              <a:t>https://www.guillaume-chervet.fr</a:t>
+            </a:r>
+            <a:endParaRPr lang="fr-FR" dirty="0"/>
+          </a:p>
+          <a:p>
+            <a:pPr marL="0" indent="0">
+              <a:buFont typeface="Arial" panose="020B0604020202020204" pitchFamily="34" charset="0"/>
+              <a:buNone/>
+            </a:pPr>
+            <a:endParaRPr lang="fr-FR" dirty="0"/>
+          </a:p>
+          <a:p>
+            <a:pPr marL="0" indent="0">
+              <a:buFont typeface="Arial" panose="020B0604020202020204" pitchFamily="34" charset="0"/>
+              <a:buNone/>
+            </a:pPr>
+            <a:r>
+              <a:rPr lang="fr-FR" dirty="0"/>
+              <a:t>Authentification via Facebook</a:t>
+            </a:r>
+          </a:p>
+          <a:p>
+            <a:pPr marL="0" indent="0">
+              <a:buFont typeface="Arial" panose="020B0604020202020204" pitchFamily="34" charset="0"/>
+              <a:buNone/>
+            </a:pPr>
+            <a:endParaRPr lang="fr-FR" dirty="0"/>
+          </a:p>
+          <a:p>
+            <a:pPr marL="0" indent="0">
+              <a:buFont typeface="Arial" panose="020B0604020202020204" pitchFamily="34" charset="0"/>
+              <a:buNone/>
+            </a:pPr>
+            <a:endParaRPr lang="fr-FR" dirty="0"/>
+          </a:p>
+          <a:p>
             <a:endParaRPr lang="fr-FR" dirty="0"/>
           </a:p>
         </p:txBody>
       </p:sp>
       <p:pic>
         <p:nvPicPr>
-          <p:cNvPr id="21510" name="Picture 6" descr="Authorization Code Grant Flow"/>
+          <p:cNvPr id="6" name="Image 5">
+            <a:extLst>
+              <a:ext uri="{FF2B5EF4-FFF2-40B4-BE49-F238E27FC236}">
+                <a16:creationId xmlns:a16="http://schemas.microsoft.com/office/drawing/2014/main" id="{9CC1C767-BF34-4FED-B3F2-95FD07F228E8}"/>
+              </a:ext>
+            </a:extLst>
+          </p:cNvPr>
           <p:cNvPicPr>
-            <a:picLocks noChangeAspect="1" noChangeArrowheads="1"/>
+            <a:picLocks noChangeAspect="1"/>
           </p:cNvPicPr>
           <p:nvPr/>
         </p:nvPicPr>
         <p:blipFill>
-          <a:blip r:embed="rId2">
-            <a:extLst>
-              <a:ext uri="{28A0092B-C50C-407E-A947-70E740481C1C}">
-                <a14:useLocalDpi xmlns:a14="http://schemas.microsoft.com/office/drawing/2010/main" val="0"/>
-              </a:ext>
-            </a:extLst>
-          </a:blip>
-          <a:srcRect/>
+          <a:blip r:embed="rId3"/>
           <a:stretch>
             <a:fillRect/>
           </a:stretch>
         </p:blipFill>
-        <p:spPr bwMode="auto">
+        <p:spPr>
           <a:xfrm>
-            <a:off x="382036" y="1061240"/>
-            <a:ext cx="6389824" cy="5196234"/>
+            <a:off x="6325386" y="1251457"/>
+            <a:ext cx="5274558" cy="4925506"/>
           </a:xfrm>
           <a:prstGeom prst="rect">
             <a:avLst/>
           </a:prstGeom>
-          <a:noFill/>
-          <a:extLst>
-            <a:ext uri="{909E8E84-426E-40DD-AFC4-6F175D3DCCD1}">
-              <a14:hiddenFill xmlns:a14="http://schemas.microsoft.com/office/drawing/2010/main">
-                <a:solidFill>
-                  <a:srgbClr val="FFFFFF"/>
-                </a:solidFill>
-              </a14:hiddenFill>
-            </a:ext>
-          </a:extLst>
         </p:spPr>
       </p:pic>
     </p:spTree>
     <p:extLst>
       <p:ext uri="{BB962C8B-B14F-4D97-AF65-F5344CB8AC3E}">
-        <p14:creationId xmlns:p14="http://schemas.microsoft.com/office/powerpoint/2010/main" val="3747410987"/>
+        <p14:creationId xmlns:p14="http://schemas.microsoft.com/office/powerpoint/2010/main" val="422883050"/>
       </p:ext>
     </p:extLst>
   </p:cSld>
@@ -24528,9 +24678,134 @@
           </a:p>
         </p:txBody>
       </p:sp>
+      <p:sp>
+        <p:nvSpPr>
+          <p:cNvPr id="3" name="Espace réservé du contenu 2"/>
+          <p:cNvSpPr>
+            <a:spLocks noGrp="1"/>
+          </p:cNvSpPr>
+          <p:nvPr>
+            <p:ph idx="1"/>
+          </p:nvPr>
+        </p:nvSpPr>
+        <p:spPr>
+          <a:xfrm>
+            <a:off x="6891131" y="1061240"/>
+            <a:ext cx="5155096" cy="5697369"/>
+          </a:xfrm>
+        </p:spPr>
+        <p:txBody>
+          <a:bodyPr>
+            <a:normAutofit fontScale="85000" lnSpcReduction="20000"/>
+          </a:bodyPr>
+          <a:lstStyle/>
+          <a:p>
+            <a:r>
+              <a:rPr lang="fr-FR" dirty="0"/>
+              <a:t>La méthode la plus sécurisé</a:t>
+            </a:r>
+          </a:p>
+          <a:p>
+            <a:pPr lvl="1"/>
+            <a:r>
+              <a:rPr lang="fr-FR" dirty="0"/>
+              <a:t>Vous n’accèderez jamais au </a:t>
+            </a:r>
+            <a:r>
+              <a:rPr lang="fr-FR" dirty="0" err="1"/>
+              <a:t>token</a:t>
+            </a:r>
+            <a:r>
+              <a:rPr lang="fr-FR" dirty="0"/>
+              <a:t> d’accès, il sera stocké par le site internet (en session par exemple). </a:t>
+            </a:r>
+          </a:p>
+          <a:p>
+            <a:r>
+              <a:rPr lang="fr-FR" dirty="0"/>
+              <a:t>Dans ce type d’autorisation les étapes sont les suivantes :</a:t>
+            </a:r>
+          </a:p>
+          <a:p>
+            <a:pPr marL="971550" lvl="1" indent="-514350">
+              <a:buFont typeface="+mj-lt"/>
+              <a:buAutoNum type="arabicPeriod"/>
+            </a:pPr>
+            <a:r>
+              <a:rPr lang="fr-FR" dirty="0"/>
+              <a:t>Un site internet quelconque souhaite accéder aux informations de votre profil Google.</a:t>
+            </a:r>
+          </a:p>
+          <a:p>
+            <a:pPr marL="971550" lvl="1" indent="-514350">
+              <a:buFont typeface="+mj-lt"/>
+              <a:buAutoNum type="arabicPeriod"/>
+            </a:pPr>
+            <a:r>
+              <a:rPr lang="fr-FR" dirty="0"/>
+              <a:t>Vous êtes redirigé par le client (le site internet) vers le serveur d’autorisation (Google).</a:t>
+            </a:r>
+          </a:p>
+          <a:p>
+            <a:pPr marL="971550" lvl="1" indent="-514350">
+              <a:buFont typeface="+mj-lt"/>
+              <a:buAutoNum type="arabicPeriod"/>
+            </a:pPr>
+            <a:r>
+              <a:rPr lang="fr-FR" dirty="0"/>
+              <a:t>Si vous autorisez l’accès, le serveur d’autorisation (Google) envoie un code d’autorisation au site internet.</a:t>
+            </a:r>
+          </a:p>
+          <a:p>
+            <a:pPr marL="971550" lvl="1" indent="-514350">
+              <a:buFont typeface="+mj-lt"/>
+              <a:buAutoNum type="arabicPeriod"/>
+            </a:pPr>
+            <a:r>
+              <a:rPr lang="fr-FR" dirty="0"/>
+              <a:t>Ce code est échangé (entre le site internet et Google) par un </a:t>
+            </a:r>
+            <a:r>
+              <a:rPr lang="fr-FR" dirty="0" err="1"/>
+              <a:t>token</a:t>
+            </a:r>
+            <a:r>
+              <a:rPr lang="fr-FR" dirty="0"/>
+              <a:t> d’accès de façon transparente pour vous.</a:t>
+            </a:r>
+          </a:p>
+          <a:p>
+            <a:pPr marL="971550" lvl="1" indent="-514350">
+              <a:buFont typeface="+mj-lt"/>
+              <a:buAutoNum type="arabicPeriod"/>
+            </a:pPr>
+            <a:r>
+              <a:rPr lang="fr-FR" dirty="0"/>
+              <a:t>Le site internet peut donc maintenant utiliser ce </a:t>
+            </a:r>
+            <a:r>
+              <a:rPr lang="fr-FR" dirty="0" err="1"/>
+              <a:t>token</a:t>
+            </a:r>
+            <a:r>
+              <a:rPr lang="fr-FR" dirty="0"/>
+              <a:t> d’accès pour accéder aux données de votre profil par le serveur de ressources (Google).</a:t>
+            </a:r>
+          </a:p>
+          <a:p>
+            <a:endParaRPr lang="fr-FR" dirty="0"/>
+          </a:p>
+          <a:p>
+            <a:pPr marL="0" indent="0">
+              <a:buNone/>
+            </a:pPr>
+            <a:endParaRPr lang="fr-FR" dirty="0"/>
+          </a:p>
+        </p:txBody>
+      </p:sp>
       <p:pic>
         <p:nvPicPr>
-          <p:cNvPr id="1026" name="Picture 2" descr="https://www.ibm.com/support/knowledgecenter/en/SSPREK_9.0.2/com.ibm.isam.doc/config/images/OAuth2_authcode.gif"/>
+          <p:cNvPr id="21510" name="Picture 6" descr="Authorization Code Grant Flow"/>
           <p:cNvPicPr>
             <a:picLocks noChangeAspect="1" noChangeArrowheads="1"/>
           </p:cNvPicPr>
@@ -24551,8 +24826,8 @@
         </p:blipFill>
         <p:spPr bwMode="auto">
           <a:xfrm>
-            <a:off x="2663480" y="1047269"/>
-            <a:ext cx="6374502" cy="5327356"/>
+            <a:off x="382036" y="1061240"/>
+            <a:ext cx="6389824" cy="5196234"/>
           </a:xfrm>
           <a:prstGeom prst="rect">
             <a:avLst/>
@@ -24569,44 +24844,10 @@
           </a:extLst>
         </p:spPr>
       </p:pic>
-      <p:sp>
-        <p:nvSpPr>
-          <p:cNvPr id="6" name="Rectangle 5"/>
-          <p:cNvSpPr/>
-          <p:nvPr/>
-        </p:nvSpPr>
-        <p:spPr>
-          <a:xfrm>
-            <a:off x="6056243" y="898844"/>
-            <a:ext cx="6096000" cy="1200329"/>
-          </a:xfrm>
-          <a:prstGeom prst="rect">
-            <a:avLst/>
-          </a:prstGeom>
-        </p:spPr>
-        <p:txBody>
-          <a:bodyPr wrap="square">
-            <a:spAutoFit/>
-          </a:bodyPr>
-          <a:lstStyle/>
-          <a:p>
-            <a:r>
-              <a:rPr lang="fr-FR" dirty="0">
-                <a:hlinkClick r:id="rId3"/>
-              </a:rPr>
-              <a:t>https://www.ibm.com/support/knowledgecenter/SSPREK_9.0.2/com.ibm.isam.doc/config/concept/con_oauth20_workflow.html</a:t>
-            </a:r>
-            <a:endParaRPr lang="fr-FR" dirty="0"/>
-          </a:p>
-          <a:p>
-            <a:endParaRPr lang="fr-FR" dirty="0"/>
-          </a:p>
-        </p:txBody>
-      </p:sp>
     </p:spTree>
     <p:extLst>
       <p:ext uri="{BB962C8B-B14F-4D97-AF65-F5344CB8AC3E}">
-        <p14:creationId xmlns:p14="http://schemas.microsoft.com/office/powerpoint/2010/main" val="2791289280"/>
+        <p14:creationId xmlns:p14="http://schemas.microsoft.com/office/powerpoint/2010/main" val="3747410987"/>
       </p:ext>
     </p:extLst>
   </p:cSld>
@@ -24958,11 +25199,11 @@
             </a:r>
             <a:r>
               <a:rPr lang="fr-FR" dirty="0" err="1"/>
-              <a:t>Implicit</a:t>
+              <a:t>Authorization</a:t>
             </a:r>
             <a:r>
               <a:rPr lang="fr-FR" dirty="0"/>
-              <a:t> Grant </a:t>
+              <a:t> Code Grant </a:t>
             </a:r>
             <a:r>
               <a:rPr lang="fr-FR" dirty="0">
@@ -24970,166 +25211,14 @@
                   <a:srgbClr val="00B050"/>
                 </a:solidFill>
               </a:rPr>
-              <a:t>(pour les clients type </a:t>
-            </a:r>
-            <a:r>
-              <a:rPr lang="fr-FR" dirty="0" err="1">
-                <a:solidFill>
-                  <a:srgbClr val="00B050"/>
-                </a:solidFill>
-              </a:rPr>
-              <a:t>js</a:t>
-            </a:r>
-            <a:r>
-              <a:rPr lang="fr-FR" dirty="0">
-                <a:solidFill>
-                  <a:srgbClr val="00B050"/>
-                </a:solidFill>
-              </a:rPr>
-              <a:t>)</a:t>
-            </a:r>
-          </a:p>
-        </p:txBody>
-      </p:sp>
-      <p:sp>
-        <p:nvSpPr>
-          <p:cNvPr id="3" name="Espace réservé du contenu 2"/>
-          <p:cNvSpPr>
-            <a:spLocks noGrp="1"/>
-          </p:cNvSpPr>
-          <p:nvPr>
-            <p:ph idx="1"/>
-          </p:nvPr>
-        </p:nvSpPr>
-        <p:spPr>
-          <a:xfrm>
-            <a:off x="6718853" y="940903"/>
-            <a:ext cx="5367130" cy="5817705"/>
-          </a:xfrm>
-        </p:spPr>
-        <p:txBody>
-          <a:bodyPr>
-            <a:normAutofit fontScale="62500" lnSpcReduction="20000"/>
-          </a:bodyPr>
-          <a:lstStyle/>
-          <a:p>
-            <a:r>
-              <a:rPr lang="fr-FR" dirty="0"/>
-              <a:t>Cette méthode est utilisée par les applications mobile et les applications Web. Elle est donc de plus en plus répandue. Le principe est de demander un unique </a:t>
-            </a:r>
-            <a:r>
-              <a:rPr lang="fr-FR" b="1" dirty="0" err="1"/>
-              <a:t>token</a:t>
-            </a:r>
-            <a:r>
-              <a:rPr lang="fr-FR" b="1" dirty="0"/>
-              <a:t> d’accès</a:t>
-            </a:r>
-            <a:r>
-              <a:rPr lang="fr-FR" dirty="0"/>
-              <a:t>. Son petit inconvénient est qu’il expose le </a:t>
-            </a:r>
-            <a:r>
-              <a:rPr lang="fr-FR" dirty="0" err="1"/>
-              <a:t>token</a:t>
-            </a:r>
-            <a:r>
-              <a:rPr lang="fr-FR" dirty="0"/>
-              <a:t> qui est stocké directement sur le navigateur car utilisé par des requêtes javascript par exemple.</a:t>
-            </a:r>
-          </a:p>
-          <a:p>
-            <a:r>
-              <a:rPr lang="fr-FR" dirty="0"/>
-              <a:t>Elle ne permet pas d’obtenir de </a:t>
-            </a:r>
-            <a:r>
-              <a:rPr lang="fr-FR" dirty="0" err="1"/>
-              <a:t>token</a:t>
-            </a:r>
-            <a:r>
-              <a:rPr lang="fr-FR" dirty="0"/>
-              <a:t> de renouvellement.</a:t>
-            </a:r>
-          </a:p>
-          <a:p>
-            <a:r>
-              <a:rPr lang="fr-FR" dirty="0"/>
-              <a:t>Dans ce type d’autorisation les étapes sont les suivantes :</a:t>
-            </a:r>
-          </a:p>
-          <a:p>
-            <a:pPr marL="971550" lvl="1" indent="-514350">
-              <a:buFont typeface="+mj-lt"/>
-              <a:buAutoNum type="arabicPeriod"/>
-            </a:pPr>
-            <a:r>
-              <a:rPr lang="fr-FR" dirty="0"/>
-              <a:t>Le client (</a:t>
-            </a:r>
-            <a:r>
-              <a:rPr lang="fr-FR" dirty="0" err="1"/>
-              <a:t>AngularJS</a:t>
-            </a:r>
-            <a:r>
-              <a:rPr lang="fr-FR" dirty="0"/>
-              <a:t>) souhaite accéder aux informations de votre profil Facebook.</a:t>
-            </a:r>
-          </a:p>
-          <a:p>
-            <a:pPr marL="971550" lvl="1" indent="-514350">
-              <a:buFont typeface="+mj-lt"/>
-              <a:buAutoNum type="arabicPeriod"/>
-            </a:pPr>
-            <a:r>
-              <a:rPr lang="fr-FR" dirty="0"/>
-              <a:t>Vous êtes redirigé par le navigateur web vers le serveur d’autorisation (Facebook).</a:t>
-            </a:r>
-          </a:p>
-          <a:p>
-            <a:pPr marL="971550" lvl="1" indent="-514350">
-              <a:buFont typeface="+mj-lt"/>
-              <a:buAutoNum type="arabicPeriod"/>
-            </a:pPr>
-            <a:r>
-              <a:rPr lang="fr-FR" dirty="0"/>
-              <a:t>Si vous autorisez l’accès, le serveur d’autorisation vous redirige sur le site internet et met à disposition le </a:t>
-            </a:r>
-            <a:r>
-              <a:rPr lang="fr-FR" dirty="0" err="1"/>
-              <a:t>token</a:t>
-            </a:r>
-            <a:r>
-              <a:rPr lang="fr-FR" dirty="0"/>
-              <a:t> d’accès dans le fragment de l’url (non envoyé au serveur web). Exemple de callback : http://example.com/oauthcallback#access_token=MzJmNDc3M2VjMmQzN.</a:t>
-            </a:r>
-          </a:p>
-          <a:p>
-            <a:pPr marL="971550" lvl="1" indent="-514350">
-              <a:buFont typeface="+mj-lt"/>
-              <a:buAutoNum type="arabicPeriod"/>
-            </a:pPr>
-            <a:r>
-              <a:rPr lang="fr-FR" dirty="0"/>
-              <a:t>Ce </a:t>
-            </a:r>
-            <a:r>
-              <a:rPr lang="fr-FR" dirty="0" err="1"/>
-              <a:t>token</a:t>
-            </a:r>
-            <a:r>
-              <a:rPr lang="fr-FR" dirty="0"/>
-              <a:t> d’accès peut maintenant être utilisé (après avoir été validé) pour faire des appels à l’API Facebook via Javascript (par exemple https://graph.facebook.com/me?access_token=MzJmNDc3M2VjMmQzN).</a:t>
-            </a:r>
-          </a:p>
-          <a:p>
-            <a:endParaRPr lang="fr-FR" dirty="0"/>
+              <a:t>(le plus sécurisé)</a:t>
+            </a:r>
           </a:p>
         </p:txBody>
       </p:sp>
       <p:pic>
         <p:nvPicPr>
-          <p:cNvPr id="26630" name="Picture 6" descr="Implicit Grant Flow"/>
+          <p:cNvPr id="1026" name="Picture 2" descr="https://www.ibm.com/support/knowledgecenter/en/SSPREK_9.0.2/com.ibm.isam.doc/config/images/OAuth2_authcode.gif"/>
           <p:cNvPicPr>
             <a:picLocks noChangeAspect="1" noChangeArrowheads="1"/>
           </p:cNvPicPr>
@@ -25150,8 +25239,8 @@
         </p:blipFill>
         <p:spPr bwMode="auto">
           <a:xfrm>
-            <a:off x="319294" y="1047269"/>
-            <a:ext cx="6305550" cy="5362575"/>
+            <a:off x="2663480" y="1047269"/>
+            <a:ext cx="6374502" cy="5327356"/>
           </a:xfrm>
           <a:prstGeom prst="rect">
             <a:avLst/>
@@ -25168,10 +25257,44 @@
           </a:extLst>
         </p:spPr>
       </p:pic>
+      <p:sp>
+        <p:nvSpPr>
+          <p:cNvPr id="6" name="Rectangle 5"/>
+          <p:cNvSpPr/>
+          <p:nvPr/>
+        </p:nvSpPr>
+        <p:spPr>
+          <a:xfrm>
+            <a:off x="6056243" y="898844"/>
+            <a:ext cx="6096000" cy="1200329"/>
+          </a:xfrm>
+          <a:prstGeom prst="rect">
+            <a:avLst/>
+          </a:prstGeom>
+        </p:spPr>
+        <p:txBody>
+          <a:bodyPr wrap="square">
+            <a:spAutoFit/>
+          </a:bodyPr>
+          <a:lstStyle/>
+          <a:p>
+            <a:r>
+              <a:rPr lang="fr-FR" dirty="0">
+                <a:hlinkClick r:id="rId3"/>
+              </a:rPr>
+              <a:t>https://www.ibm.com/support/knowledgecenter/SSPREK_9.0.2/com.ibm.isam.doc/config/concept/con_oauth20_workflow.html</a:t>
+            </a:r>
+            <a:endParaRPr lang="fr-FR" dirty="0"/>
+          </a:p>
+          <a:p>
+            <a:endParaRPr lang="fr-FR" dirty="0"/>
+          </a:p>
+        </p:txBody>
+      </p:sp>
     </p:spTree>
     <p:extLst>
       <p:ext uri="{BB962C8B-B14F-4D97-AF65-F5344CB8AC3E}">
-        <p14:creationId xmlns:p14="http://schemas.microsoft.com/office/powerpoint/2010/main" val="216967426"/>
+        <p14:creationId xmlns:p14="http://schemas.microsoft.com/office/powerpoint/2010/main" val="2791289280"/>
       </p:ext>
     </p:extLst>
   </p:cSld>
@@ -25259,9 +25382,145 @@
           </a:p>
         </p:txBody>
       </p:sp>
+      <p:sp>
+        <p:nvSpPr>
+          <p:cNvPr id="3" name="Espace réservé du contenu 2"/>
+          <p:cNvSpPr>
+            <a:spLocks noGrp="1"/>
+          </p:cNvSpPr>
+          <p:nvPr>
+            <p:ph idx="1"/>
+          </p:nvPr>
+        </p:nvSpPr>
+        <p:spPr>
+          <a:xfrm>
+            <a:off x="6718853" y="940903"/>
+            <a:ext cx="5367130" cy="5817705"/>
+          </a:xfrm>
+        </p:spPr>
+        <p:txBody>
+          <a:bodyPr>
+            <a:normAutofit fontScale="62500" lnSpcReduction="20000"/>
+          </a:bodyPr>
+          <a:lstStyle/>
+          <a:p>
+            <a:r>
+              <a:rPr lang="fr-FR" dirty="0"/>
+              <a:t>Cette méthode est utilisée par les applications mobile et les applications Web. Elle est donc de plus en plus répandue. Le principe est de demander un unique </a:t>
+            </a:r>
+            <a:r>
+              <a:rPr lang="fr-FR" b="1" dirty="0" err="1"/>
+              <a:t>token</a:t>
+            </a:r>
+            <a:r>
+              <a:rPr lang="fr-FR" b="1" dirty="0"/>
+              <a:t> d’accès</a:t>
+            </a:r>
+            <a:r>
+              <a:rPr lang="fr-FR" dirty="0"/>
+              <a:t>. Son petit inconvénient est qu’il expose le </a:t>
+            </a:r>
+            <a:r>
+              <a:rPr lang="fr-FR" dirty="0" err="1"/>
+              <a:t>token</a:t>
+            </a:r>
+            <a:r>
+              <a:rPr lang="fr-FR" dirty="0"/>
+              <a:t> qui est stocké directement sur le navigateur car utilisé par des requêtes javascript par exemple.</a:t>
+            </a:r>
+          </a:p>
+          <a:p>
+            <a:r>
+              <a:rPr lang="fr-FR" dirty="0"/>
+              <a:t>Elle ne permet pas d’obtenir de </a:t>
+            </a:r>
+            <a:r>
+              <a:rPr lang="fr-FR" dirty="0" err="1"/>
+              <a:t>token</a:t>
+            </a:r>
+            <a:r>
+              <a:rPr lang="fr-FR" dirty="0"/>
+              <a:t> de renouvellement.</a:t>
+            </a:r>
+          </a:p>
+          <a:p>
+            <a:r>
+              <a:rPr lang="fr-FR" dirty="0"/>
+              <a:t>Dans ce type d’autorisation les étapes sont les suivantes :</a:t>
+            </a:r>
+          </a:p>
+          <a:p>
+            <a:pPr marL="971550" lvl="1" indent="-514350">
+              <a:buFont typeface="+mj-lt"/>
+              <a:buAutoNum type="arabicPeriod"/>
+            </a:pPr>
+            <a:r>
+              <a:rPr lang="fr-FR" dirty="0"/>
+              <a:t>Le client (</a:t>
+            </a:r>
+            <a:r>
+              <a:rPr lang="fr-FR" dirty="0" err="1"/>
+              <a:t>AngularJS</a:t>
+            </a:r>
+            <a:r>
+              <a:rPr lang="fr-FR" dirty="0"/>
+              <a:t>) souhaite accéder aux informations de votre profil Facebook.</a:t>
+            </a:r>
+          </a:p>
+          <a:p>
+            <a:pPr marL="971550" lvl="1" indent="-514350">
+              <a:buFont typeface="+mj-lt"/>
+              <a:buAutoNum type="arabicPeriod"/>
+            </a:pPr>
+            <a:r>
+              <a:rPr lang="fr-FR" dirty="0"/>
+              <a:t>Vous êtes redirigé par le navigateur web vers le serveur d’autorisation (Facebook).</a:t>
+            </a:r>
+          </a:p>
+          <a:p>
+            <a:pPr marL="971550" lvl="1" indent="-514350">
+              <a:buFont typeface="+mj-lt"/>
+              <a:buAutoNum type="arabicPeriod"/>
+            </a:pPr>
+            <a:r>
+              <a:rPr lang="fr-FR" dirty="0"/>
+              <a:t>Si vous autorisez l’accès, le serveur d’autorisation vous redirige sur le site internet et met à disposition le </a:t>
+            </a:r>
+            <a:r>
+              <a:rPr lang="fr-FR" dirty="0" err="1"/>
+              <a:t>token</a:t>
+            </a:r>
+            <a:r>
+              <a:rPr lang="fr-FR" dirty="0"/>
+              <a:t> d’accès dans le fragment de l’url (non envoyé au serveur web). Exemple de callback : http://example.com/oauthcallback#access_token=MzJmNDc3M2VjMmQzN.</a:t>
+            </a:r>
+          </a:p>
+          <a:p>
+            <a:pPr marL="971550" lvl="1" indent="-514350">
+              <a:buFont typeface="+mj-lt"/>
+              <a:buAutoNum type="arabicPeriod"/>
+            </a:pPr>
+            <a:r>
+              <a:rPr lang="fr-FR" dirty="0"/>
+              <a:t>Ce </a:t>
+            </a:r>
+            <a:r>
+              <a:rPr lang="fr-FR" dirty="0" err="1"/>
+              <a:t>token</a:t>
+            </a:r>
+            <a:r>
+              <a:rPr lang="fr-FR" dirty="0"/>
+              <a:t> d’accès peut maintenant être utilisé (après avoir été validé) pour faire des appels à l’API Facebook via Javascript (par exemple https://graph.facebook.com/me?access_token=MzJmNDc3M2VjMmQzN).</a:t>
+            </a:r>
+          </a:p>
+          <a:p>
+            <a:endParaRPr lang="fr-FR" dirty="0"/>
+          </a:p>
+        </p:txBody>
+      </p:sp>
       <p:pic>
         <p:nvPicPr>
-          <p:cNvPr id="3074" name="Picture 2" descr="https://www.ibm.com/support/knowledgecenter/en/SSPREK_9.0.2/com.ibm.isam.doc/config/images/OAuth2_implicit.gif"/>
+          <p:cNvPr id="26630" name="Picture 6" descr="Implicit Grant Flow"/>
           <p:cNvPicPr>
             <a:picLocks noChangeAspect="1" noChangeArrowheads="1"/>
           </p:cNvPicPr>
@@ -25282,8 +25541,8 @@
         </p:blipFill>
         <p:spPr bwMode="auto">
           <a:xfrm>
-            <a:off x="3124614" y="1047269"/>
-            <a:ext cx="6019385" cy="5644552"/>
+            <a:off x="319294" y="1047269"/>
+            <a:ext cx="6305550" cy="5362575"/>
           </a:xfrm>
           <a:prstGeom prst="rect">
             <a:avLst/>
@@ -25300,44 +25559,10 @@
           </a:extLst>
         </p:spPr>
       </p:pic>
-      <p:sp>
-        <p:nvSpPr>
-          <p:cNvPr id="8" name="Rectangle 7"/>
-          <p:cNvSpPr/>
-          <p:nvPr/>
-        </p:nvSpPr>
-        <p:spPr>
-          <a:xfrm>
-            <a:off x="6056243" y="898844"/>
-            <a:ext cx="6096000" cy="1200329"/>
-          </a:xfrm>
-          <a:prstGeom prst="rect">
-            <a:avLst/>
-          </a:prstGeom>
-        </p:spPr>
-        <p:txBody>
-          <a:bodyPr wrap="square">
-            <a:spAutoFit/>
-          </a:bodyPr>
-          <a:lstStyle/>
-          <a:p>
-            <a:r>
-              <a:rPr lang="fr-FR" dirty="0">
-                <a:hlinkClick r:id="rId3"/>
-              </a:rPr>
-              <a:t>https://www.ibm.com/support/knowledgecenter/SSPREK_9.0.2/com.ibm.isam.doc/config/concept/con_oauth20_workflow.html</a:t>
-            </a:r>
-            <a:endParaRPr lang="fr-FR" dirty="0"/>
-          </a:p>
-          <a:p>
-            <a:endParaRPr lang="fr-FR" dirty="0"/>
-          </a:p>
-        </p:txBody>
-      </p:sp>
     </p:spTree>
     <p:extLst>
       <p:ext uri="{BB962C8B-B14F-4D97-AF65-F5344CB8AC3E}">
-        <p14:creationId xmlns:p14="http://schemas.microsoft.com/office/powerpoint/2010/main" val="3119057989"/>
+        <p14:creationId xmlns:p14="http://schemas.microsoft.com/office/powerpoint/2010/main" val="216967426"/>
       </p:ext>
     </p:extLst>
   </p:cSld>
@@ -25376,62 +25601,8 @@
         </p:nvSpPr>
         <p:spPr>
           <a:xfrm>
-            <a:off x="0" y="311425"/>
-            <a:ext cx="6735681" cy="1822175"/>
-          </a:xfrm>
-        </p:spPr>
-        <p:txBody>
-          <a:bodyPr>
-            <a:normAutofit fontScale="90000"/>
-          </a:bodyPr>
-          <a:lstStyle/>
-          <a:p>
-            <a:r>
-              <a:rPr lang="fr-FR" dirty="0"/>
-              <a:t>OAUTH2, </a:t>
-            </a:r>
-            <a:r>
-              <a:rPr lang="en-US" b="0" dirty="0"/>
-              <a:t>Resource Owner Password Credentials Grant (</a:t>
-            </a:r>
-            <a:r>
-              <a:rPr lang="en-US" b="0" dirty="0">
-                <a:solidFill>
-                  <a:srgbClr val="00B050"/>
-                </a:solidFill>
-              </a:rPr>
-              <a:t>via mot de </a:t>
-            </a:r>
-            <a:r>
-              <a:rPr lang="en-US" b="0" dirty="0" err="1">
-                <a:solidFill>
-                  <a:srgbClr val="00B050"/>
-                </a:solidFill>
-              </a:rPr>
-              <a:t>passe</a:t>
-            </a:r>
-            <a:r>
-              <a:rPr lang="en-US" b="0" dirty="0"/>
-              <a:t>)</a:t>
-            </a:r>
-            <a:endParaRPr lang="fr-FR" dirty="0"/>
-          </a:p>
-        </p:txBody>
-      </p:sp>
-      <p:sp>
-        <p:nvSpPr>
-          <p:cNvPr id="3" name="Espace réservé du contenu 2"/>
-          <p:cNvSpPr>
-            <a:spLocks noGrp="1"/>
-          </p:cNvSpPr>
-          <p:nvPr>
-            <p:ph idx="1"/>
-          </p:nvPr>
-        </p:nvSpPr>
-        <p:spPr>
-          <a:xfrm>
-            <a:off x="6626087" y="119270"/>
-            <a:ext cx="5406888" cy="6738730"/>
+            <a:off x="92765" y="-278294"/>
+            <a:ext cx="12404035" cy="1325563"/>
           </a:xfrm>
         </p:spPr>
         <p:txBody>
@@ -25441,113 +25612,47 @@
           <a:lstStyle/>
           <a:p>
             <a:r>
-              <a:rPr lang="fr-FR" sz="1600" dirty="0"/>
-              <a:t>Avec ce type d’autorisation, les identifiants (et donc le mot de passe) sont envoyés au client et ensuite au serveur d’autorisation. Il est donc impératif qu’il y ait une confiance absolue entre ces 2 entités. Il est donc principalement utilisé lorsque le client a été développé par la même autorité que celle fournissant le serveur d’autorisation. On pourrait par exemple imaginer un site web example.com voulant accéder à des ressources protégées de son propre sous-domaine api.example.com. L’utilisateur ne serait donc pas surpris de renseigner son mot de passe sur le site example.com puisque son compte a été créé sur ce même site.</a:t>
-            </a:r>
-          </a:p>
-          <a:p>
-            <a:r>
-              <a:rPr lang="fr-FR" sz="1600" dirty="0"/>
-              <a:t>Les étapes sont les suivantes :</a:t>
-            </a:r>
-          </a:p>
-          <a:p>
-            <a:pPr marL="971550" lvl="1" indent="-514350">
-              <a:buFont typeface="+mj-lt"/>
-              <a:buAutoNum type="arabicPeriod"/>
-            </a:pPr>
-            <a:r>
-              <a:rPr lang="fr-FR" sz="1400" dirty="0"/>
-              <a:t>La société </a:t>
-            </a:r>
-            <a:r>
-              <a:rPr lang="fr-FR" sz="1400" dirty="0" err="1"/>
-              <a:t>Acme</a:t>
-            </a:r>
-            <a:r>
-              <a:rPr lang="fr-FR" sz="1400" dirty="0"/>
-              <a:t> fait les choses bien et a pensé à mettre à disposition à des applications tierces une API RESTful exposant tout plein de méthodes pratiques pour récupérer des données diverses et variées de ses utilisateurs.</a:t>
-            </a:r>
-          </a:p>
-          <a:p>
-            <a:pPr marL="971550" lvl="1" indent="-514350">
-              <a:buFont typeface="+mj-lt"/>
-              <a:buAutoNum type="arabicPeriod"/>
-            </a:pPr>
-            <a:r>
-              <a:rPr lang="fr-FR" sz="1400" dirty="0"/>
-              <a:t>Cette société se dit qu’il serait pratique d’utiliser sa propre API pour éviter de réinventer la roue et de maintenir du code à plusieurs endroits.</a:t>
-            </a:r>
-          </a:p>
-          <a:p>
-            <a:pPr marL="971550" lvl="1" indent="-514350">
-              <a:buFont typeface="+mj-lt"/>
-              <a:buAutoNum type="arabicPeriod"/>
-            </a:pPr>
-            <a:r>
-              <a:rPr lang="fr-FR" sz="1400" dirty="0"/>
-              <a:t>Elle a donc besoin d’un </a:t>
-            </a:r>
-            <a:r>
-              <a:rPr lang="fr-FR" sz="1400" dirty="0" err="1"/>
-              <a:t>token</a:t>
-            </a:r>
-            <a:r>
-              <a:rPr lang="fr-FR" sz="1400" dirty="0"/>
-              <a:t> d’accès pour appeler les méthodes de son API.</a:t>
-            </a:r>
-          </a:p>
-          <a:p>
-            <a:pPr marL="971550" lvl="1" indent="-514350">
-              <a:buFont typeface="+mj-lt"/>
-              <a:buAutoNum type="arabicPeriod"/>
-            </a:pPr>
-            <a:r>
-              <a:rPr lang="fr-FR" sz="1400" dirty="0"/>
-              <a:t>Pour cela elle vous demande de renseigner vos identifiants de connexion via un formulaire HTML classique tel que vous le faites habituellement.</a:t>
-            </a:r>
-          </a:p>
-          <a:p>
-            <a:pPr marL="971550" lvl="1" indent="-514350">
-              <a:buFont typeface="+mj-lt"/>
-              <a:buAutoNum type="arabicPeriod"/>
-            </a:pPr>
-            <a:r>
-              <a:rPr lang="fr-FR" sz="1400" dirty="0"/>
-              <a:t>L’application côté serveur (le site acme.com) va échanger vos identifiants contre un </a:t>
-            </a:r>
-            <a:r>
-              <a:rPr lang="fr-FR" sz="1400" dirty="0" err="1"/>
-              <a:t>token</a:t>
-            </a:r>
-            <a:r>
-              <a:rPr lang="fr-FR" sz="1400" dirty="0"/>
-              <a:t> d’accès auprès du serveur d’autorisation (si vos identifiants sont valides bien évidemment).</a:t>
-            </a:r>
-          </a:p>
-          <a:p>
-            <a:pPr marL="971550" lvl="1" indent="-514350">
-              <a:buFont typeface="+mj-lt"/>
-              <a:buAutoNum type="arabicPeriod"/>
-            </a:pPr>
-            <a:r>
-              <a:rPr lang="fr-FR" sz="1400" dirty="0"/>
-              <a:t>L’application peut donc maintenant utiliser ce </a:t>
-            </a:r>
-            <a:r>
-              <a:rPr lang="fr-FR" sz="1400" dirty="0" err="1"/>
-              <a:t>token</a:t>
-            </a:r>
-            <a:r>
-              <a:rPr lang="fr-FR" sz="1400" dirty="0"/>
-              <a:t> d’accès auprès du serveur de ressources (api.acme.com).</a:t>
+              <a:rPr lang="fr-FR" dirty="0"/>
+              <a:t>OAUTH2, </a:t>
+            </a:r>
+            <a:r>
+              <a:rPr lang="fr-FR" dirty="0" err="1"/>
+              <a:t>Implicit</a:t>
+            </a:r>
+            <a:r>
+              <a:rPr lang="fr-FR" dirty="0"/>
+              <a:t> Grant </a:t>
+            </a:r>
+            <a:r>
+              <a:rPr lang="fr-FR" dirty="0">
+                <a:solidFill>
+                  <a:srgbClr val="00B050"/>
+                </a:solidFill>
+              </a:rPr>
+              <a:t>(pour les clients type </a:t>
+            </a:r>
+            <a:r>
+              <a:rPr lang="fr-FR" dirty="0" err="1">
+                <a:solidFill>
+                  <a:srgbClr val="00B050"/>
+                </a:solidFill>
+              </a:rPr>
+              <a:t>js</a:t>
+            </a:r>
+            <a:r>
+              <a:rPr lang="fr-FR" dirty="0">
+                <a:solidFill>
+                  <a:srgbClr val="00B050"/>
+                </a:solidFill>
+              </a:rPr>
+              <a:t>)</a:t>
             </a:r>
           </a:p>
         </p:txBody>
       </p:sp>
       <p:pic>
         <p:nvPicPr>
-          <p:cNvPr id="27652" name="Picture 4" descr="Resource Owner Password Credentials Grant Flow"/>
+          <p:cNvPr id="3074" name="Picture 2" descr="https://www.ibm.com/support/knowledgecenter/en/SSPREK_9.0.2/com.ibm.isam.doc/config/images/OAuth2_implicit.gif"/>
           <p:cNvPicPr>
             <a:picLocks noChangeAspect="1" noChangeArrowheads="1"/>
           </p:cNvPicPr>
@@ -25568,8 +25673,8 @@
         </p:blipFill>
         <p:spPr bwMode="auto">
           <a:xfrm>
-            <a:off x="0" y="2548353"/>
-            <a:ext cx="6735681" cy="3689488"/>
+            <a:off x="3124614" y="1047269"/>
+            <a:ext cx="6019385" cy="5644552"/>
           </a:xfrm>
           <a:prstGeom prst="rect">
             <a:avLst/>
@@ -25586,10 +25691,44 @@
           </a:extLst>
         </p:spPr>
       </p:pic>
+      <p:sp>
+        <p:nvSpPr>
+          <p:cNvPr id="8" name="Rectangle 7"/>
+          <p:cNvSpPr/>
+          <p:nvPr/>
+        </p:nvSpPr>
+        <p:spPr>
+          <a:xfrm>
+            <a:off x="6056243" y="898844"/>
+            <a:ext cx="6096000" cy="1200329"/>
+          </a:xfrm>
+          <a:prstGeom prst="rect">
+            <a:avLst/>
+          </a:prstGeom>
+        </p:spPr>
+        <p:txBody>
+          <a:bodyPr wrap="square">
+            <a:spAutoFit/>
+          </a:bodyPr>
+          <a:lstStyle/>
+          <a:p>
+            <a:r>
+              <a:rPr lang="fr-FR" dirty="0">
+                <a:hlinkClick r:id="rId3"/>
+              </a:rPr>
+              <a:t>https://www.ibm.com/support/knowledgecenter/SSPREK_9.0.2/com.ibm.isam.doc/config/concept/con_oauth20_workflow.html</a:t>
+            </a:r>
+            <a:endParaRPr lang="fr-FR" dirty="0"/>
+          </a:p>
+          <a:p>
+            <a:endParaRPr lang="fr-FR" dirty="0"/>
+          </a:p>
+        </p:txBody>
+      </p:sp>
     </p:spTree>
     <p:extLst>
       <p:ext uri="{BB962C8B-B14F-4D97-AF65-F5344CB8AC3E}">
-        <p14:creationId xmlns:p14="http://schemas.microsoft.com/office/powerpoint/2010/main" val="2289144172"/>
+        <p14:creationId xmlns:p14="http://schemas.microsoft.com/office/powerpoint/2010/main" val="3119057989"/>
       </p:ext>
     </p:extLst>
   </p:cSld>
@@ -25628,8 +25767,62 @@
         </p:nvSpPr>
         <p:spPr>
           <a:xfrm>
-            <a:off x="291548" y="306829"/>
-            <a:ext cx="11807687" cy="1822175"/>
+            <a:off x="0" y="311425"/>
+            <a:ext cx="6735681" cy="1822175"/>
+          </a:xfrm>
+        </p:spPr>
+        <p:txBody>
+          <a:bodyPr>
+            <a:normAutofit fontScale="90000"/>
+          </a:bodyPr>
+          <a:lstStyle/>
+          <a:p>
+            <a:r>
+              <a:rPr lang="fr-FR" dirty="0"/>
+              <a:t>OAUTH2, </a:t>
+            </a:r>
+            <a:r>
+              <a:rPr lang="en-US" b="0" dirty="0"/>
+              <a:t>Resource Owner Password Credentials Grant (</a:t>
+            </a:r>
+            <a:r>
+              <a:rPr lang="en-US" b="0" dirty="0">
+                <a:solidFill>
+                  <a:srgbClr val="00B050"/>
+                </a:solidFill>
+              </a:rPr>
+              <a:t>via mot de </a:t>
+            </a:r>
+            <a:r>
+              <a:rPr lang="en-US" b="0" dirty="0" err="1">
+                <a:solidFill>
+                  <a:srgbClr val="00B050"/>
+                </a:solidFill>
+              </a:rPr>
+              <a:t>passe</a:t>
+            </a:r>
+            <a:r>
+              <a:rPr lang="en-US" b="0" dirty="0"/>
+              <a:t>)</a:t>
+            </a:r>
+            <a:endParaRPr lang="fr-FR" dirty="0"/>
+          </a:p>
+        </p:txBody>
+      </p:sp>
+      <p:sp>
+        <p:nvSpPr>
+          <p:cNvPr id="3" name="Espace réservé du contenu 2"/>
+          <p:cNvSpPr>
+            <a:spLocks noGrp="1"/>
+          </p:cNvSpPr>
+          <p:nvPr>
+            <p:ph idx="1"/>
+          </p:nvPr>
+        </p:nvSpPr>
+        <p:spPr>
+          <a:xfrm>
+            <a:off x="6626087" y="119270"/>
+            <a:ext cx="5406888" cy="6738730"/>
           </a:xfrm>
         </p:spPr>
         <p:txBody>
@@ -25639,40 +25832,113 @@
           <a:lstStyle/>
           <a:p>
             <a:r>
-              <a:rPr lang="fr-FR" dirty="0"/>
-              <a:t>OAUTH2, </a:t>
-            </a:r>
-            <a:r>
-              <a:rPr lang="en-US" b="0" dirty="0"/>
-              <a:t>Resource Owner Password Credentials Grant (</a:t>
-            </a:r>
-            <a:r>
-              <a:rPr lang="en-US" b="0" dirty="0">
-                <a:solidFill>
-                  <a:srgbClr val="00B050"/>
-                </a:solidFill>
-              </a:rPr>
-              <a:t>via mot de </a:t>
-            </a:r>
-            <a:r>
-              <a:rPr lang="en-US" b="0" dirty="0" err="1">
-                <a:solidFill>
-                  <a:srgbClr val="00B050"/>
-                </a:solidFill>
-              </a:rPr>
-              <a:t>passe</a:t>
-            </a:r>
-            <a:r>
-              <a:rPr lang="en-US" b="0" dirty="0"/>
-              <a:t>)</a:t>
-            </a:r>
-            <a:endParaRPr lang="fr-FR" dirty="0"/>
+              <a:rPr lang="fr-FR" sz="1600" dirty="0"/>
+              <a:t>Avec ce type d’autorisation, les identifiants (et donc le mot de passe) sont envoyés au client et ensuite au serveur d’autorisation. Il est donc impératif qu’il y ait une confiance absolue entre ces 2 entités. Il est donc principalement utilisé lorsque le client a été développé par la même autorité que celle fournissant le serveur d’autorisation. On pourrait par exemple imaginer un site web example.com voulant accéder à des ressources protégées de son propre sous-domaine api.example.com. L’utilisateur ne serait donc pas surpris de renseigner son mot de passe sur le site example.com puisque son compte a été créé sur ce même site.</a:t>
+            </a:r>
+          </a:p>
+          <a:p>
+            <a:r>
+              <a:rPr lang="fr-FR" sz="1600" dirty="0"/>
+              <a:t>Les étapes sont les suivantes :</a:t>
+            </a:r>
+          </a:p>
+          <a:p>
+            <a:pPr marL="971550" lvl="1" indent="-514350">
+              <a:buFont typeface="+mj-lt"/>
+              <a:buAutoNum type="arabicPeriod"/>
+            </a:pPr>
+            <a:r>
+              <a:rPr lang="fr-FR" sz="1400" dirty="0"/>
+              <a:t>La société </a:t>
+            </a:r>
+            <a:r>
+              <a:rPr lang="fr-FR" sz="1400" dirty="0" err="1"/>
+              <a:t>Acme</a:t>
+            </a:r>
+            <a:r>
+              <a:rPr lang="fr-FR" sz="1400" dirty="0"/>
+              <a:t> fait les choses bien et a pensé à mettre à disposition à des applications tierces une API RESTful exposant tout plein de méthodes pratiques pour récupérer des données diverses et variées de ses utilisateurs.</a:t>
+            </a:r>
+          </a:p>
+          <a:p>
+            <a:pPr marL="971550" lvl="1" indent="-514350">
+              <a:buFont typeface="+mj-lt"/>
+              <a:buAutoNum type="arabicPeriod"/>
+            </a:pPr>
+            <a:r>
+              <a:rPr lang="fr-FR" sz="1400" dirty="0"/>
+              <a:t>Cette société se dit qu’il serait pratique d’utiliser sa propre API pour éviter de réinventer la roue et de maintenir du code à plusieurs endroits.</a:t>
+            </a:r>
+          </a:p>
+          <a:p>
+            <a:pPr marL="971550" lvl="1" indent="-514350">
+              <a:buFont typeface="+mj-lt"/>
+              <a:buAutoNum type="arabicPeriod"/>
+            </a:pPr>
+            <a:r>
+              <a:rPr lang="fr-FR" sz="1400" dirty="0"/>
+              <a:t>Elle a donc besoin d’un </a:t>
+            </a:r>
+            <a:r>
+              <a:rPr lang="fr-FR" sz="1400" dirty="0" err="1"/>
+              <a:t>token</a:t>
+            </a:r>
+            <a:r>
+              <a:rPr lang="fr-FR" sz="1400" dirty="0"/>
+              <a:t> d’accès pour appeler les méthodes de son API.</a:t>
+            </a:r>
+          </a:p>
+          <a:p>
+            <a:pPr marL="971550" lvl="1" indent="-514350">
+              <a:buFont typeface="+mj-lt"/>
+              <a:buAutoNum type="arabicPeriod"/>
+            </a:pPr>
+            <a:r>
+              <a:rPr lang="fr-FR" sz="1400" dirty="0"/>
+              <a:t>Pour cela elle vous demande de renseigner vos identifiants de connexion via un formulaire HTML classique tel que vous le faites habituellement.</a:t>
+            </a:r>
+          </a:p>
+          <a:p>
+            <a:pPr marL="971550" lvl="1" indent="-514350">
+              <a:buFont typeface="+mj-lt"/>
+              <a:buAutoNum type="arabicPeriod"/>
+            </a:pPr>
+            <a:r>
+              <a:rPr lang="fr-FR" sz="1400" dirty="0"/>
+              <a:t>L’application côté serveur (le site acme.com) va échanger vos identifiants contre un </a:t>
+            </a:r>
+            <a:r>
+              <a:rPr lang="fr-FR" sz="1400" dirty="0" err="1"/>
+              <a:t>token</a:t>
+            </a:r>
+            <a:r>
+              <a:rPr lang="fr-FR" sz="1400" dirty="0"/>
+              <a:t> d’accès auprès du serveur d’autorisation (si vos identifiants sont valides bien évidemment).</a:t>
+            </a:r>
+          </a:p>
+          <a:p>
+            <a:pPr marL="971550" lvl="1" indent="-514350">
+              <a:buFont typeface="+mj-lt"/>
+              <a:buAutoNum type="arabicPeriod"/>
+            </a:pPr>
+            <a:r>
+              <a:rPr lang="fr-FR" sz="1400" dirty="0"/>
+              <a:t>L’application peut donc maintenant utiliser ce </a:t>
+            </a:r>
+            <a:r>
+              <a:rPr lang="fr-FR" sz="1400" dirty="0" err="1"/>
+              <a:t>token</a:t>
+            </a:r>
+            <a:r>
+              <a:rPr lang="fr-FR" sz="1400" dirty="0"/>
+              <a:t> d’accès auprès du serveur de ressources (api.acme.com).</a:t>
+            </a:r>
           </a:p>
         </p:txBody>
       </p:sp>
       <p:pic>
         <p:nvPicPr>
-          <p:cNvPr id="4098" name="Picture 2" descr="https://www.ibm.com/support/knowledgecenter/en/SSPREK_9.0.2/com.ibm.isam.doc/config/images/OAuth2_resourceowner.gif"/>
+          <p:cNvPr id="27652" name="Picture 4" descr="Resource Owner Password Credentials Grant Flow"/>
           <p:cNvPicPr>
             <a:picLocks noChangeAspect="1" noChangeArrowheads="1"/>
           </p:cNvPicPr>
@@ -25693,8 +25959,8 @@
         </p:blipFill>
         <p:spPr bwMode="auto">
           <a:xfrm>
-            <a:off x="2582310" y="2612957"/>
-            <a:ext cx="6958095" cy="3231252"/>
+            <a:off x="0" y="2548353"/>
+            <a:ext cx="6735681" cy="3689488"/>
           </a:xfrm>
           <a:prstGeom prst="rect">
             <a:avLst/>
@@ -25711,44 +25977,10 @@
           </a:extLst>
         </p:spPr>
       </p:pic>
-      <p:sp>
-        <p:nvSpPr>
-          <p:cNvPr id="8" name="Rectangle 7"/>
-          <p:cNvSpPr/>
-          <p:nvPr/>
-        </p:nvSpPr>
-        <p:spPr>
-          <a:xfrm>
-            <a:off x="5857460" y="2290322"/>
-            <a:ext cx="6096000" cy="1200329"/>
-          </a:xfrm>
-          <a:prstGeom prst="rect">
-            <a:avLst/>
-          </a:prstGeom>
-        </p:spPr>
-        <p:txBody>
-          <a:bodyPr wrap="square">
-            <a:spAutoFit/>
-          </a:bodyPr>
-          <a:lstStyle/>
-          <a:p>
-            <a:r>
-              <a:rPr lang="fr-FR" dirty="0">
-                <a:hlinkClick r:id="rId3"/>
-              </a:rPr>
-              <a:t>https://www.ibm.com/support/knowledgecenter/SSPREK_9.0.2/com.ibm.isam.doc/config/concept/con_oauth20_workflow.html</a:t>
-            </a:r>
-            <a:endParaRPr lang="fr-FR" dirty="0"/>
-          </a:p>
-          <a:p>
-            <a:endParaRPr lang="fr-FR" dirty="0"/>
-          </a:p>
-        </p:txBody>
-      </p:sp>
     </p:spTree>
     <p:extLst>
       <p:ext uri="{BB962C8B-B14F-4D97-AF65-F5344CB8AC3E}">
-        <p14:creationId xmlns:p14="http://schemas.microsoft.com/office/powerpoint/2010/main" val="1873157646"/>
+        <p14:creationId xmlns:p14="http://schemas.microsoft.com/office/powerpoint/2010/main" val="2289144172"/>
       </p:ext>
     </p:extLst>
   </p:cSld>
@@ -25787,8 +26019,8 @@
         </p:nvSpPr>
         <p:spPr>
           <a:xfrm>
-            <a:off x="92765" y="-278294"/>
-            <a:ext cx="12404035" cy="1325563"/>
+            <a:off x="291548" y="306829"/>
+            <a:ext cx="11807687" cy="1822175"/>
           </a:xfrm>
         </p:spPr>
         <p:txBody>
@@ -25802,109 +26034,36 @@
               <a:t>OAUTH2, </a:t>
             </a:r>
             <a:r>
-              <a:rPr lang="fr-FR" b="0" dirty="0"/>
-              <a:t>Client </a:t>
-            </a:r>
-            <a:r>
-              <a:rPr lang="fr-FR" b="0" dirty="0" err="1"/>
-              <a:t>Credentials</a:t>
-            </a:r>
-            <a:r>
-              <a:rPr lang="fr-FR" b="0" dirty="0"/>
-              <a:t> Grant </a:t>
-            </a:r>
-            <a:r>
-              <a:rPr lang="fr-FR" b="0" dirty="0">
+              <a:rPr lang="en-US" b="0" dirty="0"/>
+              <a:t>Resource Owner Password Credentials Grant (</a:t>
+            </a:r>
+            <a:r>
+              <a:rPr lang="en-US" b="0" dirty="0">
                 <a:solidFill>
                   <a:srgbClr val="00B050"/>
                 </a:solidFill>
               </a:rPr>
-              <a:t>(serveur à serveur)</a:t>
-            </a:r>
-            <a:endParaRPr lang="fr-FR" dirty="0">
-              <a:solidFill>
-                <a:srgbClr val="00B050"/>
-              </a:solidFill>
-            </a:endParaRPr>
-          </a:p>
-        </p:txBody>
-      </p:sp>
-      <p:sp>
-        <p:nvSpPr>
-          <p:cNvPr id="3" name="Espace réservé du contenu 2"/>
-          <p:cNvSpPr>
-            <a:spLocks noGrp="1"/>
-          </p:cNvSpPr>
-          <p:nvPr>
-            <p:ph idx="1"/>
-          </p:nvPr>
-        </p:nvSpPr>
-        <p:spPr>
-          <a:xfrm>
-            <a:off x="185531" y="1047269"/>
-            <a:ext cx="5579164" cy="5340626"/>
-          </a:xfrm>
-        </p:spPr>
-        <p:txBody>
-          <a:bodyPr>
-            <a:normAutofit fontScale="92500" lnSpcReduction="10000"/>
-          </a:bodyPr>
-          <a:lstStyle/>
-          <a:p>
-            <a:r>
-              <a:rPr lang="fr-FR" dirty="0"/>
-              <a:t>Il doit être utilisé lorsque le client est lui-même le détenteur des données. Il n’y a pas d’autorisation à obtenir de la part de l’utilisateur final.</a:t>
-            </a:r>
-          </a:p>
-          <a:p>
-            <a:r>
-              <a:rPr lang="fr-FR" dirty="0"/>
-              <a:t>Les étapes sont les suivantes :</a:t>
-            </a:r>
-          </a:p>
-          <a:p>
-            <a:pPr marL="971550" lvl="1" indent="-514350">
-              <a:buFont typeface="+mj-lt"/>
-              <a:buAutoNum type="arabicPeriod"/>
-            </a:pPr>
-            <a:r>
-              <a:rPr lang="fr-FR" dirty="0"/>
-              <a:t>Un site internet quelconque stocke des fichiers de toute sorte sur Google Cloud Storage.</a:t>
-            </a:r>
-          </a:p>
-          <a:p>
-            <a:pPr marL="971550" lvl="1" indent="-514350">
-              <a:buFont typeface="+mj-lt"/>
-              <a:buAutoNum type="arabicPeriod"/>
-            </a:pPr>
-            <a:r>
-              <a:rPr lang="fr-FR" dirty="0"/>
-              <a:t>Le site internet doit passer par l’API Google pour récupérer ou modifier des fichiers et doit donc s’authentifier auprès du serveur d’autorisation.</a:t>
-            </a:r>
-          </a:p>
-          <a:p>
-            <a:pPr marL="971550" lvl="1" indent="-514350">
-              <a:buFont typeface="+mj-lt"/>
-              <a:buAutoNum type="arabicPeriod"/>
-            </a:pPr>
-            <a:r>
-              <a:rPr lang="fr-FR" dirty="0"/>
-              <a:t>Une fois authentifié, le site internet obtient un </a:t>
-            </a:r>
-            <a:r>
-              <a:rPr lang="fr-FR" dirty="0" err="1"/>
-              <a:t>token</a:t>
-            </a:r>
-            <a:r>
-              <a:rPr lang="fr-FR" dirty="0"/>
-              <a:t> d’accès qu’il peut désormais utiliser auprès du serveur de ressources (Google Cloud Storage).</a:t>
-            </a:r>
+              <a:t>via mot de </a:t>
+            </a:r>
+            <a:r>
+              <a:rPr lang="en-US" b="0" dirty="0" err="1">
+                <a:solidFill>
+                  <a:srgbClr val="00B050"/>
+                </a:solidFill>
+              </a:rPr>
+              <a:t>passe</a:t>
+            </a:r>
+            <a:r>
+              <a:rPr lang="en-US" b="0" dirty="0"/>
+              <a:t>)</a:t>
+            </a:r>
+            <a:endParaRPr lang="fr-FR" dirty="0"/>
           </a:p>
         </p:txBody>
       </p:sp>
       <p:pic>
         <p:nvPicPr>
-          <p:cNvPr id="28674" name="Picture 2" descr="Client Credentials Grant Flow"/>
+          <p:cNvPr id="4098" name="Picture 2" descr="https://www.ibm.com/support/knowledgecenter/en/SSPREK_9.0.2/com.ibm.isam.doc/config/images/OAuth2_resourceowner.gif"/>
           <p:cNvPicPr>
             <a:picLocks noChangeAspect="1" noChangeArrowheads="1"/>
           </p:cNvPicPr>
@@ -25925,8 +26084,8 @@
         </p:blipFill>
         <p:spPr bwMode="auto">
           <a:xfrm>
-            <a:off x="5976731" y="1484383"/>
-            <a:ext cx="5922831" cy="4466397"/>
+            <a:off x="2582310" y="2612957"/>
+            <a:ext cx="6958095" cy="3231252"/>
           </a:xfrm>
           <a:prstGeom prst="rect">
             <a:avLst/>
@@ -25943,10 +26102,44 @@
           </a:extLst>
         </p:spPr>
       </p:pic>
+      <p:sp>
+        <p:nvSpPr>
+          <p:cNvPr id="8" name="Rectangle 7"/>
+          <p:cNvSpPr/>
+          <p:nvPr/>
+        </p:nvSpPr>
+        <p:spPr>
+          <a:xfrm>
+            <a:off x="5857460" y="2290322"/>
+            <a:ext cx="6096000" cy="1200329"/>
+          </a:xfrm>
+          <a:prstGeom prst="rect">
+            <a:avLst/>
+          </a:prstGeom>
+        </p:spPr>
+        <p:txBody>
+          <a:bodyPr wrap="square">
+            <a:spAutoFit/>
+          </a:bodyPr>
+          <a:lstStyle/>
+          <a:p>
+            <a:r>
+              <a:rPr lang="fr-FR" dirty="0">
+                <a:hlinkClick r:id="rId3"/>
+              </a:rPr>
+              <a:t>https://www.ibm.com/support/knowledgecenter/SSPREK_9.0.2/com.ibm.isam.doc/config/concept/con_oauth20_workflow.html</a:t>
+            </a:r>
+            <a:endParaRPr lang="fr-FR" dirty="0"/>
+          </a:p>
+          <a:p>
+            <a:endParaRPr lang="fr-FR" dirty="0"/>
+          </a:p>
+        </p:txBody>
+      </p:sp>
     </p:spTree>
     <p:extLst>
       <p:ext uri="{BB962C8B-B14F-4D97-AF65-F5344CB8AC3E}">
-        <p14:creationId xmlns:p14="http://schemas.microsoft.com/office/powerpoint/2010/main" val="4188344228"/>
+        <p14:creationId xmlns:p14="http://schemas.microsoft.com/office/powerpoint/2010/main" val="1873157646"/>
       </p:ext>
     </p:extLst>
   </p:cSld>
@@ -26029,7 +26222,7 @@
       </p:sp>
       <p:sp>
         <p:nvSpPr>
-          <p:cNvPr id="5" name="Espace réservé du contenu 4"/>
+          <p:cNvPr id="3" name="Espace réservé du contenu 2"/>
           <p:cNvSpPr>
             <a:spLocks noGrp="1"/>
           </p:cNvSpPr>
@@ -26037,18 +26230,72 @@
             <p:ph idx="1"/>
           </p:nvPr>
         </p:nvSpPr>
-        <p:spPr/>
+        <p:spPr>
+          <a:xfrm>
+            <a:off x="185531" y="1047269"/>
+            <a:ext cx="5579164" cy="5340626"/>
+          </a:xfrm>
+        </p:spPr>
         <p:txBody>
-          <a:bodyPr/>
+          <a:bodyPr>
+            <a:normAutofit fontScale="92500" lnSpcReduction="10000"/>
+          </a:bodyPr>
           <a:lstStyle/>
           <a:p>
-            <a:endParaRPr lang="fr-FR"/>
+            <a:r>
+              <a:rPr lang="fr-FR" dirty="0"/>
+              <a:t>Il doit être utilisé lorsque le client est lui-même le détenteur des données. Il n’y a pas d’autorisation à obtenir de la part de l’utilisateur final.</a:t>
+            </a:r>
+          </a:p>
+          <a:p>
+            <a:r>
+              <a:rPr lang="fr-FR" dirty="0"/>
+              <a:t>Les étapes sont les suivantes :</a:t>
+            </a:r>
+          </a:p>
+          <a:p>
+            <a:pPr marL="971550" lvl="1" indent="-514350">
+              <a:buFont typeface="+mj-lt"/>
+              <a:buAutoNum type="arabicPeriod"/>
+            </a:pPr>
+            <a:r>
+              <a:rPr lang="fr-FR" dirty="0"/>
+              <a:t>Un site internet quelconque stocke des fichiers de toute sorte sur Google Cloud Storage.</a:t>
+            </a:r>
+          </a:p>
+          <a:p>
+            <a:pPr marL="971550" lvl="1" indent="-514350">
+              <a:buFont typeface="+mj-lt"/>
+              <a:buAutoNum type="arabicPeriod"/>
+            </a:pPr>
+            <a:r>
+              <a:rPr lang="fr-FR" dirty="0"/>
+              <a:t>Le site internet doit passer par l’API Google pour récupérer ou modifier des fichiers et doit donc s’authentifier auprès du serveur d’autorisation.</a:t>
+            </a:r>
+          </a:p>
+          <a:p>
+            <a:pPr marL="971550" lvl="1" indent="-514350">
+              <a:buFont typeface="+mj-lt"/>
+              <a:buAutoNum type="arabicPeriod"/>
+            </a:pPr>
+            <a:r>
+              <a:rPr lang="fr-FR" dirty="0"/>
+              <a:t>Une fois authentifié, le site internet obtient un </a:t>
+            </a:r>
+            <a:r>
+              <a:rPr lang="fr-FR" dirty="0" err="1"/>
+              <a:t>token</a:t>
+            </a:r>
+            <a:r>
+              <a:rPr lang="fr-FR" dirty="0"/>
+              <a:t> d’accès qu’il peut désormais utiliser auprès du serveur de ressources (Google Cloud Storage).</a:t>
+            </a:r>
           </a:p>
         </p:txBody>
       </p:sp>
       <p:pic>
         <p:nvPicPr>
-          <p:cNvPr id="5122" name="Picture 2" descr="https://www.ibm.com/support/knowledgecenter/en/SSPREK_9.0.2/com.ibm.isam.doc/config/images/OAuth2_clientcred.gif"/>
+          <p:cNvPr id="28674" name="Picture 2" descr="Client Credentials Grant Flow"/>
           <p:cNvPicPr>
             <a:picLocks noChangeAspect="1" noChangeArrowheads="1"/>
           </p:cNvPicPr>
@@ -26069,8 +26316,8 @@
         </p:blipFill>
         <p:spPr bwMode="auto">
           <a:xfrm>
-            <a:off x="1075082" y="3046148"/>
-            <a:ext cx="10041835" cy="1392468"/>
+            <a:off x="5976731" y="1484383"/>
+            <a:ext cx="5922831" cy="4466397"/>
           </a:xfrm>
           <a:prstGeom prst="rect">
             <a:avLst/>
@@ -26087,44 +26334,10 @@
           </a:extLst>
         </p:spPr>
       </p:pic>
-      <p:sp>
-        <p:nvSpPr>
-          <p:cNvPr id="9" name="Rectangle 8"/>
-          <p:cNvSpPr/>
-          <p:nvPr/>
-        </p:nvSpPr>
-        <p:spPr>
-          <a:xfrm>
-            <a:off x="2941982" y="5417835"/>
-            <a:ext cx="6096000" cy="1200329"/>
-          </a:xfrm>
-          <a:prstGeom prst="rect">
-            <a:avLst/>
-          </a:prstGeom>
-        </p:spPr>
-        <p:txBody>
-          <a:bodyPr wrap="square">
-            <a:spAutoFit/>
-          </a:bodyPr>
-          <a:lstStyle/>
-          <a:p>
-            <a:r>
-              <a:rPr lang="fr-FR" dirty="0">
-                <a:hlinkClick r:id="rId3"/>
-              </a:rPr>
-              <a:t>https://www.ibm.com/support/knowledgecenter/SSPREK_9.0.2/com.ibm.isam.doc/config/concept/con_oauth20_workflow.html</a:t>
-            </a:r>
-            <a:endParaRPr lang="fr-FR" dirty="0"/>
-          </a:p>
-          <a:p>
-            <a:endParaRPr lang="fr-FR" dirty="0"/>
-          </a:p>
-        </p:txBody>
-      </p:sp>
     </p:spTree>
     <p:extLst>
       <p:ext uri="{BB962C8B-B14F-4D97-AF65-F5344CB8AC3E}">
-        <p14:creationId xmlns:p14="http://schemas.microsoft.com/office/powerpoint/2010/main" val="288292041"/>
+        <p14:creationId xmlns:p14="http://schemas.microsoft.com/office/powerpoint/2010/main" val="4188344228"/>
       </p:ext>
     </p:extLst>
   </p:cSld>
@@ -26161,26 +26374,53 @@
             <p:ph type="title"/>
           </p:nvPr>
         </p:nvSpPr>
-        <p:spPr/>
+        <p:spPr>
+          <a:xfrm>
+            <a:off x="92765" y="-278294"/>
+            <a:ext cx="12404035" cy="1325563"/>
+          </a:xfrm>
+        </p:spPr>
         <p:txBody>
-          <a:bodyPr/>
+          <a:bodyPr>
+            <a:normAutofit/>
+          </a:bodyPr>
           <a:lstStyle/>
           <a:p>
             <a:r>
               <a:rPr lang="fr-FR" dirty="0"/>
-              <a:t>Open ID </a:t>
-            </a:r>
-            <a:r>
-              <a:rPr lang="fr-FR" dirty="0" err="1"/>
-              <a:t>Connect</a:t>
-            </a:r>
-            <a:endParaRPr lang="fr-FR" dirty="0"/>
+              <a:t>OAUTH2, </a:t>
+            </a:r>
+            <a:r>
+              <a:rPr lang="fr-FR" b="0" dirty="0"/>
+              <a:t>Client </a:t>
+            </a:r>
+            <a:r>
+              <a:rPr lang="fr-FR" b="0" dirty="0" err="1"/>
+              <a:t>Credentials</a:t>
+            </a:r>
+            <a:r>
+              <a:rPr lang="fr-FR" b="0" dirty="0"/>
+              <a:t> Grant </a:t>
+            </a:r>
+            <a:r>
+              <a:rPr lang="fr-FR" b="0" dirty="0">
+                <a:solidFill>
+                  <a:srgbClr val="00B050"/>
+                </a:solidFill>
+              </a:rPr>
+              <a:t>(serveur à serveur)</a:t>
+            </a:r>
+            <a:endParaRPr lang="fr-FR" dirty="0">
+              <a:solidFill>
+                <a:srgbClr val="00B050"/>
+              </a:solidFill>
+            </a:endParaRPr>
           </a:p>
         </p:txBody>
       </p:sp>
       <p:sp>
         <p:nvSpPr>
-          <p:cNvPr id="18" name="Espace réservé du contenu 2"/>
+          <p:cNvPr id="5" name="Espace réservé du contenu 4"/>
           <p:cNvSpPr>
             <a:spLocks noGrp="1"/>
           </p:cNvSpPr>
@@ -26188,96 +26428,66 @@
             <p:ph idx="1"/>
           </p:nvPr>
         </p:nvSpPr>
-        <p:spPr>
-          <a:xfrm>
-            <a:off x="838201" y="1205948"/>
-            <a:ext cx="6490251" cy="5283500"/>
-          </a:xfrm>
-        </p:spPr>
+        <p:spPr/>
         <p:txBody>
-          <a:bodyPr>
-            <a:normAutofit fontScale="70000" lnSpcReduction="20000"/>
-          </a:bodyPr>
+          <a:bodyPr/>
           <a:lstStyle/>
           <a:p>
-            <a:r>
-              <a:rPr lang="en-US" dirty="0">
-                <a:hlinkClick r:id="rId3"/>
-              </a:rPr>
-              <a:t>OpenID Connect</a:t>
-            </a:r>
-            <a:r>
-              <a:rPr lang="en-US" dirty="0"/>
-              <a:t> is an interoperable authentication protocol based on the OAuth 2.0 family of specifications. It uses straightforward REST/JSON message flows with a design goal of “making simple things simple and complicated things possible”. It’s uniquely easy for developers to integrate, compared to any preceding Identity protocol.</a:t>
-            </a:r>
-          </a:p>
-          <a:p>
-            <a:pPr lvl="1"/>
-            <a:r>
-              <a:rPr lang="en-US" dirty="0"/>
-              <a:t>OpenID Connect lets developers authenticate their users across websites and apps without having to own and manage password files. For the app builder, it provides a secure verifiable, answer to the question: “What is the identity of the person currently using the browser or native app that is connected to me?”</a:t>
-            </a:r>
-          </a:p>
-          <a:p>
-            <a:pPr lvl="1"/>
-            <a:r>
-              <a:rPr lang="en-US" dirty="0"/>
-              <a:t>OpenID Connect allows for clients of all types, including browser-based JavaScript and native mobile apps, to launch sign-in flows and receive verifiable assertions about the identity of signed-in users.</a:t>
-            </a:r>
-          </a:p>
-          <a:p>
-            <a:pPr lvl="1"/>
-            <a:endParaRPr lang="en-US" dirty="0">
-              <a:solidFill>
-                <a:srgbClr val="00B050"/>
-              </a:solidFill>
-            </a:endParaRPr>
-          </a:p>
-          <a:p>
-            <a:pPr marL="0" indent="0" algn="ctr">
-              <a:buNone/>
-            </a:pPr>
-            <a:r>
-              <a:rPr lang="en-US" dirty="0">
-                <a:solidFill>
-                  <a:srgbClr val="00B050"/>
-                </a:solidFill>
-              </a:rPr>
-              <a:t>(Identity, Authentication) + OAuth 2.0 = OpenID Connect</a:t>
-            </a:r>
-          </a:p>
-          <a:p>
-            <a:pPr marL="0" indent="0" algn="ctr">
-              <a:buNone/>
-            </a:pPr>
-            <a:endParaRPr lang="fr-FR" sz="4800" dirty="0">
-              <a:hlinkClick r:id="rId4"/>
-            </a:endParaRPr>
-          </a:p>
-          <a:p>
-            <a:pPr marL="0" indent="0" algn="ctr">
-              <a:buNone/>
-            </a:pPr>
-            <a:r>
-              <a:rPr lang="fr-FR" sz="4800" dirty="0">
-                <a:hlinkClick r:id="rId4"/>
-              </a:rPr>
-              <a:t>http://openid.net/connect/faq/</a:t>
-            </a:r>
-            <a:endParaRPr lang="fr-FR" sz="4800" dirty="0"/>
+            <a:endParaRPr lang="fr-FR"/>
           </a:p>
         </p:txBody>
       </p:sp>
+      <p:pic>
+        <p:nvPicPr>
+          <p:cNvPr id="5122" name="Picture 2" descr="https://www.ibm.com/support/knowledgecenter/en/SSPREK_9.0.2/com.ibm.isam.doc/config/images/OAuth2_clientcred.gif"/>
+          <p:cNvPicPr>
+            <a:picLocks noChangeAspect="1" noChangeArrowheads="1"/>
+          </p:cNvPicPr>
+          <p:nvPr/>
+        </p:nvPicPr>
+        <p:blipFill>
+          <a:blip r:embed="rId2">
+            <a:extLst>
+              <a:ext uri="{28A0092B-C50C-407E-A947-70E740481C1C}">
+                <a14:useLocalDpi xmlns:a14="http://schemas.microsoft.com/office/drawing/2010/main" val="0"/>
+              </a:ext>
+            </a:extLst>
+          </a:blip>
+          <a:srcRect/>
+          <a:stretch>
+            <a:fillRect/>
+          </a:stretch>
+        </p:blipFill>
+        <p:spPr bwMode="auto">
+          <a:xfrm>
+            <a:off x="1075082" y="3046148"/>
+            <a:ext cx="10041835" cy="1392468"/>
+          </a:xfrm>
+          <a:prstGeom prst="rect">
+            <a:avLst/>
+          </a:prstGeom>
+          <a:noFill/>
+          <a:extLst>
+            <a:ext uri="{909E8E84-426E-40DD-AFC4-6F175D3DCCD1}">
+              <a14:hiddenFill xmlns:a14="http://schemas.microsoft.com/office/drawing/2010/main">
+                <a:solidFill>
+                  <a:srgbClr val="FFFFFF"/>
+                </a:solidFill>
+              </a14:hiddenFill>
+            </a:ext>
+          </a:extLst>
+        </p:spPr>
+      </p:pic>
       <p:sp>
         <p:nvSpPr>
-          <p:cNvPr id="3" name="Rectangle 2"/>
+          <p:cNvPr id="9" name="Rectangle 8"/>
           <p:cNvSpPr/>
           <p:nvPr/>
         </p:nvSpPr>
         <p:spPr>
           <a:xfrm>
-            <a:off x="7805530" y="2437248"/>
-            <a:ext cx="3866322" cy="1477328"/>
+            <a:off x="2941982" y="5417835"/>
+            <a:ext cx="6096000" cy="1200329"/>
           </a:xfrm>
           <a:prstGeom prst="rect">
             <a:avLst/>
@@ -26290,33 +26500,14 @@
           <a:lstStyle/>
           <a:p>
             <a:r>
-              <a:rPr lang="en-US" dirty="0">
-                <a:solidFill>
-                  <a:srgbClr val="5A5A5A"/>
-                </a:solidFill>
-                <a:latin typeface="Helvetica Neue"/>
+              <a:rPr lang="fr-FR" dirty="0">
+                <a:hlinkClick r:id="rId3"/>
               </a:rPr>
-              <a:t>For an example of OpenID Connect at work, look at </a:t>
-            </a:r>
-            <a:r>
-              <a:rPr lang="en-US" dirty="0">
-                <a:solidFill>
-                  <a:srgbClr val="F78C40"/>
-                </a:solidFill>
-                <a:latin typeface="Helvetica Neue"/>
-                <a:hlinkClick r:id="rId5"/>
-              </a:rPr>
-              <a:t>Google+ Sign-In</a:t>
-            </a:r>
-            <a:r>
-              <a:rPr lang="en-US" dirty="0">
-                <a:solidFill>
-                  <a:srgbClr val="5A5A5A"/>
-                </a:solidFill>
-                <a:latin typeface="Helvetica Neue"/>
-              </a:rPr>
-              <a:t>, Google’s flagship social-identity offering, which is entirely based on OpenID Connect.</a:t>
-            </a:r>
+              <a:t>https://www.ibm.com/support/knowledgecenter/SSPREK_9.0.2/com.ibm.isam.doc/config/concept/con_oauth20_workflow.html</a:t>
+            </a:r>
+            <a:endParaRPr lang="fr-FR" dirty="0"/>
+          </a:p>
+          <a:p>
             <a:endParaRPr lang="fr-FR" dirty="0"/>
           </a:p>
         </p:txBody>
@@ -26324,7 +26515,7 @@
     </p:spTree>
     <p:extLst>
       <p:ext uri="{BB962C8B-B14F-4D97-AF65-F5344CB8AC3E}">
-        <p14:creationId xmlns:p14="http://schemas.microsoft.com/office/powerpoint/2010/main" val="2145090592"/>
+        <p14:creationId xmlns:p14="http://schemas.microsoft.com/office/powerpoint/2010/main" val="288292041"/>
       </p:ext>
     </p:extLst>
   </p:cSld>
@@ -26368,6 +26559,383 @@
           <a:p>
             <a:r>
               <a:rPr lang="fr-FR" dirty="0"/>
+              <a:t>Open ID </a:t>
+            </a:r>
+            <a:r>
+              <a:rPr lang="fr-FR" dirty="0" err="1"/>
+              <a:t>Connect</a:t>
+            </a:r>
+            <a:endParaRPr lang="fr-FR" dirty="0"/>
+          </a:p>
+        </p:txBody>
+      </p:sp>
+      <p:sp>
+        <p:nvSpPr>
+          <p:cNvPr id="18" name="Espace réservé du contenu 2"/>
+          <p:cNvSpPr>
+            <a:spLocks noGrp="1"/>
+          </p:cNvSpPr>
+          <p:nvPr>
+            <p:ph idx="1"/>
+          </p:nvPr>
+        </p:nvSpPr>
+        <p:spPr>
+          <a:xfrm>
+            <a:off x="838201" y="1205948"/>
+            <a:ext cx="6490251" cy="5283500"/>
+          </a:xfrm>
+        </p:spPr>
+        <p:txBody>
+          <a:bodyPr>
+            <a:normAutofit fontScale="70000" lnSpcReduction="20000"/>
+          </a:bodyPr>
+          <a:lstStyle/>
+          <a:p>
+            <a:r>
+              <a:rPr lang="en-US" dirty="0">
+                <a:hlinkClick r:id="rId3"/>
+              </a:rPr>
+              <a:t>OpenID Connect</a:t>
+            </a:r>
+            <a:r>
+              <a:rPr lang="en-US" dirty="0"/>
+              <a:t> is an interoperable authentication protocol based on the OAuth 2.0 family of specifications. It uses straightforward REST/JSON message flows with a design goal of “making simple things simple and complicated things possible”. It’s uniquely easy for developers to integrate, compared to any preceding Identity protocol.</a:t>
+            </a:r>
+          </a:p>
+          <a:p>
+            <a:pPr lvl="1"/>
+            <a:r>
+              <a:rPr lang="en-US" dirty="0"/>
+              <a:t>OpenID Connect lets developers authenticate their users across websites and apps without having to own and manage password files. For the app builder, it provides a secure verifiable, answer to the question: “What is the identity of the person currently using the browser or native app that is connected to me?”</a:t>
+            </a:r>
+          </a:p>
+          <a:p>
+            <a:pPr lvl="1"/>
+            <a:r>
+              <a:rPr lang="en-US" dirty="0"/>
+              <a:t>OpenID Connect allows for clients of all types, including browser-based JavaScript and native mobile apps, to launch sign-in flows and receive verifiable assertions about the identity of signed-in users.</a:t>
+            </a:r>
+          </a:p>
+          <a:p>
+            <a:pPr lvl="1"/>
+            <a:endParaRPr lang="en-US" dirty="0">
+              <a:solidFill>
+                <a:srgbClr val="00B050"/>
+              </a:solidFill>
+            </a:endParaRPr>
+          </a:p>
+          <a:p>
+            <a:pPr marL="0" indent="0" algn="ctr">
+              <a:buNone/>
+            </a:pPr>
+            <a:r>
+              <a:rPr lang="en-US" dirty="0">
+                <a:solidFill>
+                  <a:srgbClr val="00B050"/>
+                </a:solidFill>
+              </a:rPr>
+              <a:t>(Identity, Authentication) + OAuth 2.0 = OpenID Connect</a:t>
+            </a:r>
+          </a:p>
+          <a:p>
+            <a:pPr marL="0" indent="0" algn="ctr">
+              <a:buNone/>
+            </a:pPr>
+            <a:endParaRPr lang="fr-FR" sz="4800" dirty="0">
+              <a:hlinkClick r:id="rId4"/>
+            </a:endParaRPr>
+          </a:p>
+          <a:p>
+            <a:pPr marL="0" indent="0" algn="ctr">
+              <a:buNone/>
+            </a:pPr>
+            <a:r>
+              <a:rPr lang="fr-FR" sz="4800" dirty="0">
+                <a:hlinkClick r:id="rId4"/>
+              </a:rPr>
+              <a:t>http://openid.net/connect/faq/</a:t>
+            </a:r>
+            <a:endParaRPr lang="fr-FR" sz="4800" dirty="0"/>
+          </a:p>
+        </p:txBody>
+      </p:sp>
+      <p:sp>
+        <p:nvSpPr>
+          <p:cNvPr id="3" name="Rectangle 2"/>
+          <p:cNvSpPr/>
+          <p:nvPr/>
+        </p:nvSpPr>
+        <p:spPr>
+          <a:xfrm>
+            <a:off x="7805530" y="2437248"/>
+            <a:ext cx="3866322" cy="1477328"/>
+          </a:xfrm>
+          <a:prstGeom prst="rect">
+            <a:avLst/>
+          </a:prstGeom>
+        </p:spPr>
+        <p:txBody>
+          <a:bodyPr wrap="square">
+            <a:spAutoFit/>
+          </a:bodyPr>
+          <a:lstStyle/>
+          <a:p>
+            <a:r>
+              <a:rPr lang="en-US" dirty="0">
+                <a:solidFill>
+                  <a:srgbClr val="5A5A5A"/>
+                </a:solidFill>
+                <a:latin typeface="Helvetica Neue"/>
+              </a:rPr>
+              <a:t>For an example of OpenID Connect at work, look at </a:t>
+            </a:r>
+            <a:r>
+              <a:rPr lang="en-US" dirty="0">
+                <a:solidFill>
+                  <a:srgbClr val="F78C40"/>
+                </a:solidFill>
+                <a:latin typeface="Helvetica Neue"/>
+                <a:hlinkClick r:id="rId5"/>
+              </a:rPr>
+              <a:t>Google+ Sign-In</a:t>
+            </a:r>
+            <a:r>
+              <a:rPr lang="en-US" dirty="0">
+                <a:solidFill>
+                  <a:srgbClr val="5A5A5A"/>
+                </a:solidFill>
+                <a:latin typeface="Helvetica Neue"/>
+              </a:rPr>
+              <a:t>, Google’s flagship social-identity offering, which is entirely based on OpenID Connect.</a:t>
+            </a:r>
+            <a:endParaRPr lang="fr-FR" dirty="0"/>
+          </a:p>
+        </p:txBody>
+      </p:sp>
+    </p:spTree>
+    <p:extLst>
+      <p:ext uri="{BB962C8B-B14F-4D97-AF65-F5344CB8AC3E}">
+        <p14:creationId xmlns:p14="http://schemas.microsoft.com/office/powerpoint/2010/main" val="2145090592"/>
+      </p:ext>
+    </p:extLst>
+  </p:cSld>
+  <p:clrMapOvr>
+    <a:masterClrMapping/>
+  </p:clrMapOvr>
+</p:sld>
+</file>
+
+<file path=ppt/slides/slide58.xml><?xml version="1.0" encoding="utf-8"?>
+<p:sld xmlns:a="http://schemas.openxmlformats.org/drawingml/2006/main" xmlns:r="http://schemas.openxmlformats.org/officeDocument/2006/relationships" xmlns:p="http://schemas.openxmlformats.org/presentationml/2006/main">
+  <p:cSld>
+    <p:spTree>
+      <p:nvGrpSpPr>
+        <p:cNvPr id="1" name=""/>
+        <p:cNvGrpSpPr/>
+        <p:nvPr/>
+      </p:nvGrpSpPr>
+      <p:grpSpPr>
+        <a:xfrm>
+          <a:off x="0" y="0"/>
+          <a:ext cx="0" cy="0"/>
+          <a:chOff x="0" y="0"/>
+          <a:chExt cx="0" cy="0"/>
+        </a:xfrm>
+      </p:grpSpPr>
+      <p:sp>
+        <p:nvSpPr>
+          <p:cNvPr id="2" name="Titre 1">
+            <a:extLst>
+              <a:ext uri="{FF2B5EF4-FFF2-40B4-BE49-F238E27FC236}">
+                <a16:creationId xmlns:a16="http://schemas.microsoft.com/office/drawing/2014/main" id="{BF435BBC-D439-4A7F-80A5-360A29C7FF17}"/>
+              </a:ext>
+            </a:extLst>
+          </p:cNvPr>
+          <p:cNvSpPr>
+            <a:spLocks noGrp="1"/>
+          </p:cNvSpPr>
+          <p:nvPr>
+            <p:ph type="title"/>
+          </p:nvPr>
+        </p:nvSpPr>
+        <p:spPr/>
+        <p:txBody>
+          <a:bodyPr/>
+          <a:lstStyle/>
+          <a:p>
+            <a:r>
+              <a:rPr lang="fr-FR" dirty="0"/>
+              <a:t>Open ID </a:t>
+            </a:r>
+            <a:r>
+              <a:rPr lang="fr-FR" dirty="0" err="1"/>
+              <a:t>Connect</a:t>
+            </a:r>
+            <a:r>
+              <a:rPr lang="fr-FR" dirty="0"/>
+              <a:t> Démonstration</a:t>
+            </a:r>
+          </a:p>
+        </p:txBody>
+      </p:sp>
+      <p:sp>
+        <p:nvSpPr>
+          <p:cNvPr id="3" name="Espace réservé du contenu 2">
+            <a:extLst>
+              <a:ext uri="{FF2B5EF4-FFF2-40B4-BE49-F238E27FC236}">
+                <a16:creationId xmlns:a16="http://schemas.microsoft.com/office/drawing/2014/main" id="{97E7F02F-54B5-4864-8D2D-123EA0B539AE}"/>
+              </a:ext>
+            </a:extLst>
+          </p:cNvPr>
+          <p:cNvSpPr>
+            <a:spLocks noGrp="1"/>
+          </p:cNvSpPr>
+          <p:nvPr>
+            <p:ph idx="1"/>
+          </p:nvPr>
+        </p:nvSpPr>
+        <p:spPr>
+          <a:xfrm>
+            <a:off x="838200" y="1825625"/>
+            <a:ext cx="4891481" cy="4351338"/>
+          </a:xfrm>
+        </p:spPr>
+        <p:txBody>
+          <a:bodyPr/>
+          <a:lstStyle/>
+          <a:p>
+            <a:pPr marL="0" indent="0">
+              <a:buNone/>
+            </a:pPr>
+            <a:r>
+              <a:rPr lang="fr-FR" dirty="0"/>
+              <a:t>« </a:t>
+            </a:r>
+            <a:r>
+              <a:rPr lang="fr-FR" b="1" dirty="0" err="1"/>
+              <a:t>Implicit</a:t>
+            </a:r>
+            <a:r>
+              <a:rPr lang="fr-FR" dirty="0"/>
+              <a:t> » Flow :</a:t>
+            </a:r>
+            <a:endParaRPr lang="fr-FR" dirty="0">
+              <a:hlinkClick r:id="rId2"/>
+            </a:endParaRPr>
+          </a:p>
+          <a:p>
+            <a:pPr marL="0" indent="0">
+              <a:buNone/>
+            </a:pPr>
+            <a:endParaRPr lang="fr-FR" dirty="0">
+              <a:hlinkClick r:id="rId2"/>
+            </a:endParaRPr>
+          </a:p>
+          <a:p>
+            <a:pPr marL="0" indent="0">
+              <a:buNone/>
+            </a:pPr>
+            <a:r>
+              <a:rPr lang="fr-FR" dirty="0">
+                <a:hlinkClick r:id="rId2"/>
+              </a:rPr>
+              <a:t>https://github.com/AxaGuilDEv/react-oidc</a:t>
+            </a:r>
+            <a:endParaRPr lang="fr-FR" dirty="0"/>
+          </a:p>
+          <a:p>
+            <a:pPr marL="0" indent="0">
+              <a:buNone/>
+            </a:pPr>
+            <a:endParaRPr lang="fr-FR" dirty="0"/>
+          </a:p>
+          <a:p>
+            <a:pPr marL="0" indent="0">
+              <a:buNone/>
+            </a:pPr>
+            <a:r>
+              <a:rPr lang="fr-FR" dirty="0"/>
+              <a:t>Authentification via Google</a:t>
+            </a:r>
+          </a:p>
+        </p:txBody>
+      </p:sp>
+      <p:sp>
+        <p:nvSpPr>
+          <p:cNvPr id="4" name="Espace réservé du numéro de diapositive 3">
+            <a:extLst>
+              <a:ext uri="{FF2B5EF4-FFF2-40B4-BE49-F238E27FC236}">
+                <a16:creationId xmlns:a16="http://schemas.microsoft.com/office/drawing/2014/main" id="{D7B8A5BC-2C03-4FBC-9548-8595A112284A}"/>
+              </a:ext>
+            </a:extLst>
+          </p:cNvPr>
+          <p:cNvSpPr>
+            <a:spLocks noGrp="1"/>
+          </p:cNvSpPr>
+          <p:nvPr>
+            <p:ph type="sldNum" sz="quarter" idx="12"/>
+          </p:nvPr>
+        </p:nvSpPr>
+        <p:spPr/>
+        <p:txBody>
+          <a:bodyPr/>
+          <a:lstStyle/>
+          <a:p>
+            <a:fld id="{B79E4878-4BCB-449E-94CF-AE2A0F6BB533}" type="slidenum">
+              <a:rPr lang="fr-FR" smtClean="0"/>
+              <a:t>58</a:t>
+            </a:fld>
+            <a:endParaRPr lang="fr-FR"/>
+          </a:p>
+        </p:txBody>
+      </p:sp>
+    </p:spTree>
+    <p:extLst>
+      <p:ext uri="{BB962C8B-B14F-4D97-AF65-F5344CB8AC3E}">
+        <p14:creationId xmlns:p14="http://schemas.microsoft.com/office/powerpoint/2010/main" val="3872942093"/>
+      </p:ext>
+    </p:extLst>
+  </p:cSld>
+  <p:clrMapOvr>
+    <a:masterClrMapping/>
+  </p:clrMapOvr>
+</p:sld>
+</file>
+
+<file path=ppt/slides/slide59.xml><?xml version="1.0" encoding="utf-8"?>
+<p:sld xmlns:a="http://schemas.openxmlformats.org/drawingml/2006/main" xmlns:r="http://schemas.openxmlformats.org/officeDocument/2006/relationships" xmlns:p="http://schemas.openxmlformats.org/presentationml/2006/main">
+  <p:cSld>
+    <p:spTree>
+      <p:nvGrpSpPr>
+        <p:cNvPr id="1" name=""/>
+        <p:cNvGrpSpPr/>
+        <p:nvPr/>
+      </p:nvGrpSpPr>
+      <p:grpSpPr>
+        <a:xfrm>
+          <a:off x="0" y="0"/>
+          <a:ext cx="0" cy="0"/>
+          <a:chOff x="0" y="0"/>
+          <a:chExt cx="0" cy="0"/>
+        </a:xfrm>
+      </p:grpSpPr>
+      <p:sp>
+        <p:nvSpPr>
+          <p:cNvPr id="2" name="Titre 1"/>
+          <p:cNvSpPr>
+            <a:spLocks noGrp="1"/>
+          </p:cNvSpPr>
+          <p:nvPr>
+            <p:ph type="title"/>
+          </p:nvPr>
+        </p:nvSpPr>
+        <p:spPr/>
+        <p:txBody>
+          <a:bodyPr/>
+          <a:lstStyle/>
+          <a:p>
+            <a:r>
+              <a:rPr lang="fr-FR" dirty="0"/>
               <a:t>Contacts</a:t>
             </a:r>
           </a:p>
@@ -26442,7 +27010,7 @@
           <a:p>
             <a:fld id="{B79E4878-4BCB-449E-94CF-AE2A0F6BB533}" type="slidenum">
               <a:rPr lang="fr-FR" smtClean="0"/>
-              <a:t>57</a:t>
+              <a:t>59</a:t>
             </a:fld>
             <a:endParaRPr lang="fr-FR"/>
           </a:p>
